--- a/paper/Презентация_защита.pptx
+++ b/paper/Презентация_защита.pptx
@@ -7518,14 +7518,14 @@
           <p:nvPr>
             <p:extLst>
               <p:ext uri="{D42A27DB-BD31-4B8C-83A1-F6EECF244321}">
-                <p14:modId xmlns:p14="http://schemas.microsoft.com/office/powerpoint/2010/main" val="3306159906"/>
+                <p14:modId xmlns:p14="http://schemas.microsoft.com/office/powerpoint/2010/main" val="2142669464"/>
               </p:ext>
             </p:extLst>
           </p:nvPr>
         </p:nvGraphicFramePr>
         <p:xfrm>
           <a:off x="311700" y="1447800"/>
-          <a:ext cx="8160760" cy="4911378"/>
+          <a:ext cx="8160760" cy="4763471"/>
         </p:xfrm>
         <a:graphic>
           <a:graphicData uri="http://schemas.openxmlformats.org/drawingml/2006/table">
@@ -7541,21 +7541,21 @@
                     </a:ext>
                   </a:extLst>
                 </a:gridCol>
-                <a:gridCol w="1947582">
+                <a:gridCol w="1318932">
                   <a:extLst>
                     <a:ext uri="{9D8B030D-6E8A-4147-A177-3AD203B41FA5}">
                       <a16:colId xmlns:a16="http://schemas.microsoft.com/office/drawing/2014/main" val="25709199"/>
                     </a:ext>
                   </a:extLst>
                 </a:gridCol>
-                <a:gridCol w="1414182">
+                <a:gridCol w="1828800">
                   <a:extLst>
                     <a:ext uri="{9D8B030D-6E8A-4147-A177-3AD203B41FA5}">
                       <a16:colId xmlns:a16="http://schemas.microsoft.com/office/drawing/2014/main" val="2807817747"/>
                     </a:ext>
                   </a:extLst>
                 </a:gridCol>
-                <a:gridCol w="1686178">
+                <a:gridCol w="1900210">
                   <a:extLst>
                     <a:ext uri="{9D8B030D-6E8A-4147-A177-3AD203B41FA5}">
                       <a16:colId xmlns:a16="http://schemas.microsoft.com/office/drawing/2014/main" val="3554398812"/>

--- a/paper/Презентация_защита.pptx
+++ b/paper/Презентация_защита.pptx
@@ -6613,7 +6613,23 @@
                   <a:srgbClr val="000000"/>
                 </a:solidFill>
               </a:rPr>
-              <a:t>         Попов Дмитрий Сергеевич</a:t>
+              <a:t>         </a:t>
+            </a:r>
+            <a:r>
+              <a:rPr lang="ru-RU" sz="1800" dirty="0" smtClean="0">
+                <a:solidFill>
+                  <a:srgbClr val="000000"/>
+                </a:solidFill>
+              </a:rPr>
+              <a:t>Попов </a:t>
+            </a:r>
+            <a:r>
+              <a:rPr lang="ru-RU" sz="1800" dirty="0">
+                <a:solidFill>
+                  <a:srgbClr val="000000"/>
+                </a:solidFill>
+              </a:rPr>
+              <a:t>Дмитрий Сергеевич</a:t>
             </a:r>
             <a:r>
               <a:rPr lang="en" sz="1800" dirty="0">
@@ -6661,7 +6677,23 @@
                   <a:srgbClr val="000000"/>
                 </a:solidFill>
               </a:rPr>
-              <a:t>              Лисс Александр Рудольфович</a:t>
+              <a:t>             </a:t>
+            </a:r>
+            <a:r>
+              <a:rPr lang="ru-RU" sz="1800" dirty="0" smtClean="0">
+                <a:solidFill>
+                  <a:srgbClr val="000000"/>
+                </a:solidFill>
+              </a:rPr>
+              <a:t>Лисс </a:t>
+            </a:r>
+            <a:r>
+              <a:rPr lang="ru-RU" sz="1800" dirty="0">
+                <a:solidFill>
+                  <a:srgbClr val="000000"/>
+                </a:solidFill>
+              </a:rPr>
+              <a:t>Александр Рудольфович</a:t>
             </a:r>
             <a:r>
               <a:rPr lang="en" sz="1800" dirty="0">
@@ -6717,7 +6749,15 @@
                   <a:srgbClr val="000000"/>
                 </a:solidFill>
               </a:rPr>
-              <a:t>Консультант:                </a:t>
+              <a:t>Консультант:               </a:t>
+            </a:r>
+            <a:r>
+              <a:rPr lang="ru-RU" sz="1800" dirty="0" smtClean="0">
+                <a:solidFill>
+                  <a:srgbClr val="000000"/>
+                </a:solidFill>
+              </a:rPr>
+              <a:t> Сергеева </a:t>
             </a:r>
             <a:r>
               <a:rPr lang="ru-RU" sz="1800" dirty="0">
@@ -6725,7 +6765,7 @@
                   <a:srgbClr val="000000"/>
                 </a:solidFill>
               </a:rPr>
-              <a:t>Сергеева Елена Игоревна</a:t>
+              <a:t>Елена Игоревна</a:t>
             </a:r>
             <a:r>
               <a:rPr lang="en" sz="1800" dirty="0">
@@ -7176,9 +7216,87 @@
                   <a:srgbClr val="000000"/>
                 </a:solidFill>
               </a:rPr>
-              <a:t>В настоящее время в областях морской сейсморазведки и гидроакустики активно используются системы с протяженными буксируемыми гибкими антеннами. недостатком является то, что положение рассматриваемого средства при буксировке и маневрировании кораблей-носителей неопределенно, что ухудшает точность проводимых исследований.</a:t>
-            </a:r>
-            <a:endParaRPr lang="ru-RU" sz="2000" b="1" dirty="0">
+              <a:t>В настоящее время в областях морской сейсморазведки и гидроакустики активно используются системы с </a:t>
+            </a:r>
+            <a:r>
+              <a:rPr lang="ru-RU" sz="2000" dirty="0" smtClean="0">
+                <a:solidFill>
+                  <a:srgbClr val="000000"/>
+                </a:solidFill>
+              </a:rPr>
+              <a:t>гибкими протяженными </a:t>
+            </a:r>
+            <a:r>
+              <a:rPr lang="ru-RU" sz="2000" dirty="0">
+                <a:solidFill>
+                  <a:srgbClr val="000000"/>
+                </a:solidFill>
+              </a:rPr>
+              <a:t>буксируемыми </a:t>
+            </a:r>
+            <a:r>
+              <a:rPr lang="ru-RU" sz="2000" dirty="0" smtClean="0">
+                <a:solidFill>
+                  <a:srgbClr val="000000"/>
+                </a:solidFill>
+              </a:rPr>
+              <a:t>антеннами, в составе которых находятся датчики системы ориентации. </a:t>
+            </a:r>
+            <a:r>
+              <a:rPr lang="ru-RU" sz="2000" dirty="0" smtClean="0">
+                <a:solidFill>
+                  <a:srgbClr val="000000"/>
+                </a:solidFill>
+              </a:rPr>
+              <a:t>Н</a:t>
+            </a:r>
+            <a:r>
+              <a:rPr lang="ru-RU" sz="2000" dirty="0" smtClean="0">
+                <a:solidFill>
+                  <a:srgbClr val="000000"/>
+                </a:solidFill>
+              </a:rPr>
+              <a:t>едостатком </a:t>
+            </a:r>
+            <a:r>
+              <a:rPr lang="ru-RU" sz="2000" dirty="0">
+                <a:solidFill>
+                  <a:srgbClr val="000000"/>
+                </a:solidFill>
+              </a:rPr>
+              <a:t>является то, что </a:t>
+            </a:r>
+            <a:r>
+              <a:rPr lang="ru-RU" sz="2000" dirty="0" smtClean="0">
+                <a:solidFill>
+                  <a:srgbClr val="000000"/>
+                </a:solidFill>
+              </a:rPr>
+              <a:t>таких датчиков </a:t>
+            </a:r>
+            <a:r>
+              <a:rPr lang="ru-RU" sz="2000" dirty="0" smtClean="0">
+                <a:solidFill>
+                  <a:srgbClr val="000000"/>
+                </a:solidFill>
+              </a:rPr>
+              <a:t>существенно меньше чем акустических. Задачу восстановления формы антенны, на основе известных точек, можно сформулировать как интерполяцию кривой в пространстве.</a:t>
+            </a:r>
+          </a:p>
+          <a:p>
+            <a:pPr marL="0" lvl="0" indent="0" algn="l" rtl="0">
+              <a:lnSpc>
+                <a:spcPct val="100000"/>
+              </a:lnSpc>
+              <a:spcBef>
+                <a:spcPts val="0"/>
+              </a:spcBef>
+              <a:spcAft>
+                <a:spcPts val="0"/>
+              </a:spcAft>
+              <a:buNone/>
+            </a:pPr>
+            <a:endParaRPr lang="ru-RU" sz="2000" dirty="0" smtClean="0">
               <a:solidFill>
                 <a:srgbClr val="000000"/>
               </a:solidFill>
@@ -7190,7 +7308,7 @@
                 <a:spcPct val="100000"/>
               </a:lnSpc>
               <a:spcBef>
-                <a:spcPts val="1600"/>
+                <a:spcPts val="0"/>
               </a:spcBef>
               <a:spcAft>
                 <a:spcPts val="0"/>
@@ -7198,7 +7316,7 @@
               <a:buNone/>
             </a:pPr>
             <a:r>
-              <a:rPr lang="en" sz="2000" b="1" dirty="0">
+              <a:rPr lang="en" sz="2000" b="1" dirty="0" smtClean="0">
                 <a:solidFill>
                   <a:srgbClr val="000000"/>
                 </a:solidFill>
@@ -7219,8 +7337,21 @@
                   <a:srgbClr val="000000"/>
                 </a:solidFill>
               </a:rPr>
-              <a:t>Разработка инструмента восстановления и визуализации формы гибкой антенны</a:t>
-            </a:r>
+              <a:t>Разработка инструмента восстановления и визуализации формы гибкой </a:t>
+            </a:r>
+            <a:r>
+              <a:rPr lang="ru-RU" sz="2000" dirty="0" smtClean="0">
+                <a:solidFill>
+                  <a:srgbClr val="000000"/>
+                </a:solidFill>
+              </a:rPr>
+              <a:t>антенны.</a:t>
+            </a:r>
+            <a:endParaRPr lang="ru-RU" sz="2000" dirty="0">
+              <a:solidFill>
+                <a:srgbClr val="000000"/>
+              </a:solidFill>
+            </a:endParaRPr>
           </a:p>
           <a:p>
             <a:pPr marL="0" lvl="0" indent="0" algn="l" rtl="0">
@@ -7236,15 +7367,7 @@
               <a:buNone/>
             </a:pPr>
             <a:r>
-              <a:rPr lang="ru-RU" sz="2000" dirty="0">
-                <a:solidFill>
-                  <a:srgbClr val="000000"/>
-                </a:solidFill>
-              </a:rPr>
-              <a:t> </a:t>
-            </a:r>
-            <a:r>
-              <a:rPr lang="en" sz="2000" b="1" dirty="0">
+              <a:rPr lang="en" sz="2000" b="1" dirty="0" smtClean="0">
                 <a:solidFill>
                   <a:srgbClr val="000000"/>
                 </a:solidFill>
@@ -7267,6 +7390,9 @@
           </a:p>
           <a:p>
             <a:pPr marL="457200" lvl="0" indent="-381000" algn="l" rtl="0">
+              <a:lnSpc>
+                <a:spcPct val="100000"/>
+              </a:lnSpc>
               <a:spcBef>
                 <a:spcPts val="0"/>
               </a:spcBef>
@@ -7285,11 +7411,27 @@
                   <a:srgbClr val="000000"/>
                 </a:solidFill>
               </a:rPr>
-              <a:t>Обзор существующих методов восстановления</a:t>
-            </a:r>
+              <a:t>Обзор существующих методов </a:t>
+            </a:r>
+            <a:r>
+              <a:rPr lang="ru-RU" sz="2000" dirty="0" smtClean="0">
+                <a:solidFill>
+                  <a:srgbClr val="000000"/>
+                </a:solidFill>
+              </a:rPr>
+              <a:t>восстановления.</a:t>
+            </a:r>
+            <a:endParaRPr lang="ru-RU" sz="2000" dirty="0">
+              <a:solidFill>
+                <a:srgbClr val="000000"/>
+              </a:solidFill>
+            </a:endParaRPr>
           </a:p>
           <a:p>
             <a:pPr marL="457200" lvl="0" indent="-381000" algn="l" rtl="0">
+              <a:lnSpc>
+                <a:spcPct val="100000"/>
+              </a:lnSpc>
               <a:spcBef>
                 <a:spcPts val="0"/>
               </a:spcBef>
@@ -7308,7 +7450,15 @@
                   <a:srgbClr val="000000"/>
                 </a:solidFill>
               </a:rPr>
-              <a:t>Разработка программного продукта</a:t>
+              <a:t>Разработка программного </a:t>
+            </a:r>
+            <a:r>
+              <a:rPr lang="ru-RU" sz="2000" dirty="0" smtClean="0">
+                <a:solidFill>
+                  <a:srgbClr val="000000"/>
+                </a:solidFill>
+              </a:rPr>
+              <a:t>продукта.</a:t>
             </a:r>
             <a:endParaRPr sz="2000" dirty="0">
               <a:solidFill>
@@ -7318,6 +7468,9 @@
           </a:p>
           <a:p>
             <a:pPr marL="457200" lvl="0" indent="-381000" algn="l" rtl="0">
+              <a:lnSpc>
+                <a:spcPct val="100000"/>
+              </a:lnSpc>
               <a:spcBef>
                 <a:spcPts val="0"/>
               </a:spcBef>
@@ -7336,7 +7489,15 @@
                   <a:srgbClr val="000000"/>
                 </a:solidFill>
               </a:rPr>
-              <a:t>Тестирование пользовательского интерфейса</a:t>
+              <a:t>Тестирование </a:t>
+            </a:r>
+            <a:r>
+              <a:rPr lang="ru-RU" sz="2000" dirty="0" smtClean="0">
+                <a:solidFill>
+                  <a:srgbClr val="000000"/>
+                </a:solidFill>
+              </a:rPr>
+              <a:t>разработанного инструмента.</a:t>
             </a:r>
             <a:endParaRPr sz="2000" dirty="0">
               <a:solidFill>
@@ -7503,1635 +7664,36 @@
           </a:p>
         </p:txBody>
       </p:sp>
-      <p:graphicFrame>
-        <p:nvGraphicFramePr>
-          <p:cNvPr id="5" name="Таблица 5">
+      <p:pic>
+        <p:nvPicPr>
+          <p:cNvPr id="2" name="Рисунок 1"/>
+          <p:cNvPicPr>
+            <a:picLocks noChangeAspect="1"/>
+          </p:cNvPicPr>
+          <p:nvPr/>
+        </p:nvPicPr>
+        <p:blipFill>
+          <a:blip r:embed="rId3">
             <a:extLst>
-              <a:ext uri="{FF2B5EF4-FFF2-40B4-BE49-F238E27FC236}">
-                <a16:creationId xmlns:a16="http://schemas.microsoft.com/office/drawing/2014/main" id="{006CCB5F-0A83-4FC8-B910-A5C695665740}"/>
+              <a:ext uri="{28A0092B-C50C-407E-A947-70E740481C1C}">
+                <a14:useLocalDpi xmlns:a14="http://schemas.microsoft.com/office/drawing/2010/main" val="0"/>
               </a:ext>
             </a:extLst>
-          </p:cNvPr>
-          <p:cNvGraphicFramePr>
-            <a:graphicFrameLocks noGrp="1"/>
-          </p:cNvGraphicFramePr>
-          <p:nvPr>
-            <p:extLst>
-              <p:ext uri="{D42A27DB-BD31-4B8C-83A1-F6EECF244321}">
-                <p14:modId xmlns:p14="http://schemas.microsoft.com/office/powerpoint/2010/main" val="2142669464"/>
-              </p:ext>
-            </p:extLst>
-          </p:nvPr>
-        </p:nvGraphicFramePr>
-        <p:xfrm>
-          <a:off x="311700" y="1447800"/>
-          <a:ext cx="8160760" cy="4763471"/>
-        </p:xfrm>
-        <a:graphic>
-          <a:graphicData uri="http://schemas.openxmlformats.org/drawingml/2006/table">
-            <a:tbl>
-              <a:tblPr firstRow="1" bandRow="1">
-                <a:tableStyleId>{9599680C-0BEF-4379-A605-06044B272EA3}</a:tableStyleId>
-              </a:tblPr>
-              <a:tblGrid>
-                <a:gridCol w="3112818">
-                  <a:extLst>
-                    <a:ext uri="{9D8B030D-6E8A-4147-A177-3AD203B41FA5}">
-                      <a16:colId xmlns:a16="http://schemas.microsoft.com/office/drawing/2014/main" val="1451351973"/>
-                    </a:ext>
-                  </a:extLst>
-                </a:gridCol>
-                <a:gridCol w="1318932">
-                  <a:extLst>
-                    <a:ext uri="{9D8B030D-6E8A-4147-A177-3AD203B41FA5}">
-                      <a16:colId xmlns:a16="http://schemas.microsoft.com/office/drawing/2014/main" val="25709199"/>
-                    </a:ext>
-                  </a:extLst>
-                </a:gridCol>
-                <a:gridCol w="1828800">
-                  <a:extLst>
-                    <a:ext uri="{9D8B030D-6E8A-4147-A177-3AD203B41FA5}">
-                      <a16:colId xmlns:a16="http://schemas.microsoft.com/office/drawing/2014/main" val="2807817747"/>
-                    </a:ext>
-                  </a:extLst>
-                </a:gridCol>
-                <a:gridCol w="1900210">
-                  <a:extLst>
-                    <a:ext uri="{9D8B030D-6E8A-4147-A177-3AD203B41FA5}">
-                      <a16:colId xmlns:a16="http://schemas.microsoft.com/office/drawing/2014/main" val="3554398812"/>
-                    </a:ext>
-                  </a:extLst>
-                </a:gridCol>
-              </a:tblGrid>
-              <a:tr h="675053">
-                <a:tc>
-                  <a:txBody>
-                    <a:bodyPr/>
-                    <a:lstStyle/>
-                    <a:p>
-                      <a:r>
-                        <a:rPr lang="en-US" sz="1600" dirty="0"/>
-                        <a:t>                           </a:t>
-                      </a:r>
-                      <a:r>
-                        <a:rPr lang="ru-RU" sz="1600" dirty="0"/>
-                        <a:t>    </a:t>
-                      </a:r>
-                      <a:r>
-                        <a:rPr lang="en-US" sz="1600" dirty="0"/>
-                        <a:t> </a:t>
-                      </a:r>
-                      <a:r>
-                        <a:rPr lang="ru-RU" sz="1600" dirty="0"/>
-                        <a:t> Критерий</a:t>
-                      </a:r>
-                    </a:p>
-                    <a:p>
-                      <a:r>
-                        <a:rPr lang="ru-RU" sz="1600" dirty="0"/>
-                        <a:t>  Метод</a:t>
-                      </a:r>
-                    </a:p>
-                  </a:txBody>
-                  <a:tcPr>
-                    <a:lnL w="12700" cap="flat" cmpd="sng" algn="ctr">
-                      <a:solidFill>
-                        <a:schemeClr val="tx1"/>
-                      </a:solidFill>
-                      <a:prstDash val="solid"/>
-                      <a:round/>
-                      <a:headEnd type="none" w="med" len="med"/>
-                      <a:tailEnd type="none" w="med" len="med"/>
-                    </a:lnL>
-                    <a:lnR w="12700" cap="flat" cmpd="sng" algn="ctr">
-                      <a:solidFill>
-                        <a:schemeClr val="tx1"/>
-                      </a:solidFill>
-                      <a:prstDash val="solid"/>
-                      <a:round/>
-                      <a:headEnd type="none" w="med" len="med"/>
-                      <a:tailEnd type="none" w="med" len="med"/>
-                    </a:lnR>
-                    <a:lnT w="12700" cap="flat" cmpd="sng" algn="ctr">
-                      <a:solidFill>
-                        <a:schemeClr val="tx1"/>
-                      </a:solidFill>
-                      <a:prstDash val="solid"/>
-                      <a:round/>
-                      <a:headEnd type="none" w="med" len="med"/>
-                      <a:tailEnd type="none" w="med" len="med"/>
-                    </a:lnT>
-                    <a:lnB w="12700" cap="flat" cmpd="sng" algn="ctr">
-                      <a:solidFill>
-                        <a:schemeClr val="tx1"/>
-                      </a:solidFill>
-                      <a:prstDash val="solid"/>
-                      <a:round/>
-                      <a:headEnd type="none" w="med" len="med"/>
-                      <a:tailEnd type="none" w="med" len="med"/>
-                    </a:lnB>
-                  </a:tcPr>
-                </a:tc>
-                <a:tc>
-                  <a:txBody>
-                    <a:bodyPr/>
-                    <a:lstStyle/>
-                    <a:p>
-                      <a:r>
-                        <a:rPr lang="ru-RU" sz="1600" dirty="0"/>
-                        <a:t>Сложность алгоритма</a:t>
-                      </a:r>
-                    </a:p>
-                  </a:txBody>
-                  <a:tcPr>
-                    <a:lnL w="12700" cap="flat" cmpd="sng" algn="ctr">
-                      <a:solidFill>
-                        <a:schemeClr val="tx1"/>
-                      </a:solidFill>
-                      <a:prstDash val="solid"/>
-                      <a:round/>
-                      <a:headEnd type="none" w="med" len="med"/>
-                      <a:tailEnd type="none" w="med" len="med"/>
-                    </a:lnL>
-                    <a:lnR w="12700" cap="flat" cmpd="sng" algn="ctr">
-                      <a:solidFill>
-                        <a:schemeClr val="tx1"/>
-                      </a:solidFill>
-                      <a:prstDash val="solid"/>
-                      <a:round/>
-                      <a:headEnd type="none" w="med" len="med"/>
-                      <a:tailEnd type="none" w="med" len="med"/>
-                    </a:lnR>
-                    <a:lnT w="12700" cap="flat" cmpd="sng" algn="ctr">
-                      <a:solidFill>
-                        <a:schemeClr val="tx1"/>
-                      </a:solidFill>
-                      <a:prstDash val="solid"/>
-                      <a:round/>
-                      <a:headEnd type="none" w="med" len="med"/>
-                      <a:tailEnd type="none" w="med" len="med"/>
-                    </a:lnT>
-                    <a:lnB w="12700" cap="flat" cmpd="sng" algn="ctr">
-                      <a:solidFill>
-                        <a:schemeClr val="tx1"/>
-                      </a:solidFill>
-                      <a:prstDash val="solid"/>
-                      <a:round/>
-                      <a:headEnd type="none" w="med" len="med"/>
-                      <a:tailEnd type="none" w="med" len="med"/>
-                    </a:lnB>
-                  </a:tcPr>
-                </a:tc>
-                <a:tc>
-                  <a:txBody>
-                    <a:bodyPr/>
-                    <a:lstStyle/>
-                    <a:p>
-                      <a:r>
-                        <a:rPr lang="ru-RU" sz="1600" dirty="0"/>
-                        <a:t>Реализация в библиотеках</a:t>
-                      </a:r>
-                    </a:p>
-                  </a:txBody>
-                  <a:tcPr>
-                    <a:lnL w="12700" cap="flat" cmpd="sng" algn="ctr">
-                      <a:solidFill>
-                        <a:schemeClr val="tx1"/>
-                      </a:solidFill>
-                      <a:prstDash val="solid"/>
-                      <a:round/>
-                      <a:headEnd type="none" w="med" len="med"/>
-                      <a:tailEnd type="none" w="med" len="med"/>
-                    </a:lnL>
-                    <a:lnR w="12700" cap="flat" cmpd="sng" algn="ctr">
-                      <a:solidFill>
-                        <a:schemeClr val="tx1"/>
-                      </a:solidFill>
-                      <a:prstDash val="solid"/>
-                      <a:round/>
-                      <a:headEnd type="none" w="med" len="med"/>
-                      <a:tailEnd type="none" w="med" len="med"/>
-                    </a:lnR>
-                    <a:lnT w="12700" cap="flat" cmpd="sng" algn="ctr">
-                      <a:solidFill>
-                        <a:schemeClr val="tx1"/>
-                      </a:solidFill>
-                      <a:prstDash val="solid"/>
-                      <a:round/>
-                      <a:headEnd type="none" w="med" len="med"/>
-                      <a:tailEnd type="none" w="med" len="med"/>
-                    </a:lnT>
-                    <a:lnB w="12700" cap="flat" cmpd="sng" algn="ctr">
-                      <a:solidFill>
-                        <a:schemeClr val="tx1"/>
-                      </a:solidFill>
-                      <a:prstDash val="solid"/>
-                      <a:round/>
-                      <a:headEnd type="none" w="med" len="med"/>
-                      <a:tailEnd type="none" w="med" len="med"/>
-                    </a:lnB>
-                  </a:tcPr>
-                </a:tc>
-                <a:tc>
-                  <a:txBody>
-                    <a:bodyPr/>
-                    <a:lstStyle/>
-                    <a:p>
-                      <a:r>
-                        <a:rPr lang="ru-RU" sz="1600" dirty="0"/>
-                        <a:t>Гибкая настройка параметров</a:t>
-                      </a:r>
-                    </a:p>
-                  </a:txBody>
-                  <a:tcPr>
-                    <a:lnL w="12700" cap="flat" cmpd="sng" algn="ctr">
-                      <a:solidFill>
-                        <a:schemeClr val="tx1"/>
-                      </a:solidFill>
-                      <a:prstDash val="solid"/>
-                      <a:round/>
-                      <a:headEnd type="none" w="med" len="med"/>
-                      <a:tailEnd type="none" w="med" len="med"/>
-                    </a:lnL>
-                    <a:lnR w="12700" cap="flat" cmpd="sng" algn="ctr">
-                      <a:solidFill>
-                        <a:schemeClr val="tx1"/>
-                      </a:solidFill>
-                      <a:prstDash val="solid"/>
-                      <a:round/>
-                      <a:headEnd type="none" w="med" len="med"/>
-                      <a:tailEnd type="none" w="med" len="med"/>
-                    </a:lnR>
-                    <a:lnT w="12700" cap="flat" cmpd="sng" algn="ctr">
-                      <a:solidFill>
-                        <a:schemeClr val="tx1"/>
-                      </a:solidFill>
-                      <a:prstDash val="solid"/>
-                      <a:round/>
-                      <a:headEnd type="none" w="med" len="med"/>
-                      <a:tailEnd type="none" w="med" len="med"/>
-                    </a:lnT>
-                    <a:lnB w="12700" cap="flat" cmpd="sng" algn="ctr">
-                      <a:solidFill>
-                        <a:schemeClr val="tx1"/>
-                      </a:solidFill>
-                      <a:prstDash val="solid"/>
-                      <a:round/>
-                      <a:headEnd type="none" w="med" len="med"/>
-                      <a:tailEnd type="none" w="med" len="med"/>
-                    </a:lnB>
-                  </a:tcPr>
-                </a:tc>
-                <a:extLst>
-                  <a:ext uri="{0D108BD9-81ED-4DB2-BD59-A6C34878D82A}">
-                    <a16:rowId xmlns:a16="http://schemas.microsoft.com/office/drawing/2014/main" val="2453247212"/>
-                  </a:ext>
-                </a:extLst>
-              </a:tr>
-              <a:tr h="681403">
-                <a:tc>
-                  <a:txBody>
-                    <a:bodyPr/>
-                    <a:lstStyle/>
-                    <a:p>
-                      <a:r>
-                        <a:rPr lang="ru-RU" sz="1600" dirty="0"/>
-                        <a:t>Интерполяция </a:t>
-                      </a:r>
-                      <a:r>
-                        <a:rPr lang="ru-RU" sz="1600" dirty="0" err="1"/>
-                        <a:t>Уиттакера</a:t>
-                      </a:r>
-                      <a:r>
-                        <a:rPr lang="ru-RU" sz="1600" dirty="0"/>
-                        <a:t>-Шеннона</a:t>
-                      </a:r>
-                    </a:p>
-                  </a:txBody>
-                  <a:tcPr>
-                    <a:lnL w="12700" cap="flat" cmpd="sng" algn="ctr">
-                      <a:solidFill>
-                        <a:schemeClr val="tx1"/>
-                      </a:solidFill>
-                      <a:prstDash val="solid"/>
-                      <a:round/>
-                      <a:headEnd type="none" w="med" len="med"/>
-                      <a:tailEnd type="none" w="med" len="med"/>
-                    </a:lnL>
-                    <a:lnR w="12700" cap="flat" cmpd="sng" algn="ctr">
-                      <a:solidFill>
-                        <a:schemeClr val="tx1"/>
-                      </a:solidFill>
-                      <a:prstDash val="solid"/>
-                      <a:round/>
-                      <a:headEnd type="none" w="med" len="med"/>
-                      <a:tailEnd type="none" w="med" len="med"/>
-                    </a:lnR>
-                    <a:lnT w="12700" cap="flat" cmpd="sng" algn="ctr">
-                      <a:solidFill>
-                        <a:schemeClr val="tx1"/>
-                      </a:solidFill>
-                      <a:prstDash val="solid"/>
-                      <a:round/>
-                      <a:headEnd type="none" w="med" len="med"/>
-                      <a:tailEnd type="none" w="med" len="med"/>
-                    </a:lnT>
-                    <a:lnB w="12700" cap="flat" cmpd="sng" algn="ctr">
-                      <a:solidFill>
-                        <a:schemeClr val="tx1"/>
-                      </a:solidFill>
-                      <a:prstDash val="solid"/>
-                      <a:round/>
-                      <a:headEnd type="none" w="med" len="med"/>
-                      <a:tailEnd type="none" w="med" len="med"/>
-                    </a:lnB>
-                  </a:tcPr>
-                </a:tc>
-                <a:tc>
-                  <a:txBody>
-                    <a:bodyPr/>
-                    <a:lstStyle/>
-                    <a:p>
-                      <a:pPr algn="ctr"/>
-                      <a:r>
-                        <a:rPr lang="en-US" sz="1600" i="1" dirty="0"/>
-                        <a:t>O(N)</a:t>
-                      </a:r>
-                      <a:endParaRPr lang="ru-RU" sz="1600" i="1" dirty="0"/>
-                    </a:p>
-                  </a:txBody>
-                  <a:tcPr>
-                    <a:lnL w="12700" cap="flat" cmpd="sng" algn="ctr">
-                      <a:solidFill>
-                        <a:schemeClr val="tx1"/>
-                      </a:solidFill>
-                      <a:prstDash val="solid"/>
-                      <a:round/>
-                      <a:headEnd type="none" w="med" len="med"/>
-                      <a:tailEnd type="none" w="med" len="med"/>
-                    </a:lnL>
-                    <a:lnR w="12700" cap="flat" cmpd="sng" algn="ctr">
-                      <a:solidFill>
-                        <a:schemeClr val="tx1"/>
-                      </a:solidFill>
-                      <a:prstDash val="solid"/>
-                      <a:round/>
-                      <a:headEnd type="none" w="med" len="med"/>
-                      <a:tailEnd type="none" w="med" len="med"/>
-                    </a:lnR>
-                    <a:lnT w="12700" cap="flat" cmpd="sng" algn="ctr">
-                      <a:solidFill>
-                        <a:schemeClr val="tx1"/>
-                      </a:solidFill>
-                      <a:prstDash val="solid"/>
-                      <a:round/>
-                      <a:headEnd type="none" w="med" len="med"/>
-                      <a:tailEnd type="none" w="med" len="med"/>
-                    </a:lnT>
-                    <a:lnB w="12700" cap="flat" cmpd="sng" algn="ctr">
-                      <a:solidFill>
-                        <a:schemeClr val="tx1"/>
-                      </a:solidFill>
-                      <a:prstDash val="solid"/>
-                      <a:round/>
-                      <a:headEnd type="none" w="med" len="med"/>
-                      <a:tailEnd type="none" w="med" len="med"/>
-                    </a:lnB>
-                  </a:tcPr>
-                </a:tc>
-                <a:tc>
-                  <a:txBody>
-                    <a:bodyPr/>
-                    <a:lstStyle/>
-                    <a:p>
-                      <a:pPr algn="ctr"/>
-                      <a:r>
-                        <a:rPr lang="en-US" sz="1600" dirty="0"/>
-                        <a:t>+</a:t>
-                      </a:r>
-                      <a:endParaRPr lang="ru-RU" sz="1600" dirty="0"/>
-                    </a:p>
-                  </a:txBody>
-                  <a:tcPr>
-                    <a:lnL w="12700" cap="flat" cmpd="sng" algn="ctr">
-                      <a:solidFill>
-                        <a:schemeClr val="tx1"/>
-                      </a:solidFill>
-                      <a:prstDash val="solid"/>
-                      <a:round/>
-                      <a:headEnd type="none" w="med" len="med"/>
-                      <a:tailEnd type="none" w="med" len="med"/>
-                    </a:lnL>
-                    <a:lnR w="12700" cap="flat" cmpd="sng" algn="ctr">
-                      <a:solidFill>
-                        <a:schemeClr val="tx1"/>
-                      </a:solidFill>
-                      <a:prstDash val="solid"/>
-                      <a:round/>
-                      <a:headEnd type="none" w="med" len="med"/>
-                      <a:tailEnd type="none" w="med" len="med"/>
-                    </a:lnR>
-                    <a:lnT w="12700" cap="flat" cmpd="sng" algn="ctr">
-                      <a:solidFill>
-                        <a:schemeClr val="tx1"/>
-                      </a:solidFill>
-                      <a:prstDash val="solid"/>
-                      <a:round/>
-                      <a:headEnd type="none" w="med" len="med"/>
-                      <a:tailEnd type="none" w="med" len="med"/>
-                    </a:lnT>
-                    <a:lnB w="12700" cap="flat" cmpd="sng" algn="ctr">
-                      <a:solidFill>
-                        <a:schemeClr val="tx1"/>
-                      </a:solidFill>
-                      <a:prstDash val="solid"/>
-                      <a:round/>
-                      <a:headEnd type="none" w="med" len="med"/>
-                      <a:tailEnd type="none" w="med" len="med"/>
-                    </a:lnB>
-                  </a:tcPr>
-                </a:tc>
-                <a:tc>
-                  <a:txBody>
-                    <a:bodyPr/>
-                    <a:lstStyle/>
-                    <a:p>
-                      <a:pPr algn="ctr"/>
-                      <a:r>
-                        <a:rPr lang="en-US" sz="1600" dirty="0"/>
-                        <a:t>-</a:t>
-                      </a:r>
-                      <a:endParaRPr lang="ru-RU" sz="1600" dirty="0"/>
-                    </a:p>
-                  </a:txBody>
-                  <a:tcPr>
-                    <a:lnL w="12700" cap="flat" cmpd="sng" algn="ctr">
-                      <a:solidFill>
-                        <a:schemeClr val="tx1"/>
-                      </a:solidFill>
-                      <a:prstDash val="solid"/>
-                      <a:round/>
-                      <a:headEnd type="none" w="med" len="med"/>
-                      <a:tailEnd type="none" w="med" len="med"/>
-                    </a:lnL>
-                    <a:lnR w="12700" cap="flat" cmpd="sng" algn="ctr">
-                      <a:solidFill>
-                        <a:schemeClr val="tx1"/>
-                      </a:solidFill>
-                      <a:prstDash val="solid"/>
-                      <a:round/>
-                      <a:headEnd type="none" w="med" len="med"/>
-                      <a:tailEnd type="none" w="med" len="med"/>
-                    </a:lnR>
-                    <a:lnT w="12700" cap="flat" cmpd="sng" algn="ctr">
-                      <a:solidFill>
-                        <a:schemeClr val="tx1"/>
-                      </a:solidFill>
-                      <a:prstDash val="solid"/>
-                      <a:round/>
-                      <a:headEnd type="none" w="med" len="med"/>
-                      <a:tailEnd type="none" w="med" len="med"/>
-                    </a:lnT>
-                    <a:lnB w="12700" cap="flat" cmpd="sng" algn="ctr">
-                      <a:solidFill>
-                        <a:schemeClr val="tx1"/>
-                      </a:solidFill>
-                      <a:prstDash val="solid"/>
-                      <a:round/>
-                      <a:headEnd type="none" w="med" len="med"/>
-                      <a:tailEnd type="none" w="med" len="med"/>
-                    </a:lnB>
-                  </a:tcPr>
-                </a:tc>
-                <a:extLst>
-                  <a:ext uri="{0D108BD9-81ED-4DB2-BD59-A6C34878D82A}">
-                    <a16:rowId xmlns:a16="http://schemas.microsoft.com/office/drawing/2014/main" val="418299800"/>
-                  </a:ext>
-                </a:extLst>
-              </a:tr>
-              <a:tr h="681403">
-                <a:tc>
-                  <a:txBody>
-                    <a:bodyPr/>
-                    <a:lstStyle/>
-                    <a:p>
-                      <a:r>
-                        <a:rPr lang="ru-RU" sz="1600" dirty="0"/>
-                        <a:t>Кубическая интерполяция Эрмита</a:t>
-                      </a:r>
-                    </a:p>
-                  </a:txBody>
-                  <a:tcPr>
-                    <a:lnL w="12700" cap="flat" cmpd="sng" algn="ctr">
-                      <a:solidFill>
-                        <a:schemeClr val="tx1"/>
-                      </a:solidFill>
-                      <a:prstDash val="solid"/>
-                      <a:round/>
-                      <a:headEnd type="none" w="med" len="med"/>
-                      <a:tailEnd type="none" w="med" len="med"/>
-                    </a:lnL>
-                    <a:lnR w="12700" cap="flat" cmpd="sng" algn="ctr">
-                      <a:solidFill>
-                        <a:schemeClr val="tx1"/>
-                      </a:solidFill>
-                      <a:prstDash val="solid"/>
-                      <a:round/>
-                      <a:headEnd type="none" w="med" len="med"/>
-                      <a:tailEnd type="none" w="med" len="med"/>
-                    </a:lnR>
-                    <a:lnT w="12700" cap="flat" cmpd="sng" algn="ctr">
-                      <a:solidFill>
-                        <a:schemeClr val="tx1"/>
-                      </a:solidFill>
-                      <a:prstDash val="solid"/>
-                      <a:round/>
-                      <a:headEnd type="none" w="med" len="med"/>
-                      <a:tailEnd type="none" w="med" len="med"/>
-                    </a:lnT>
-                    <a:lnB w="12700" cap="flat" cmpd="sng" algn="ctr">
-                      <a:solidFill>
-                        <a:schemeClr val="tx1"/>
-                      </a:solidFill>
-                      <a:prstDash val="solid"/>
-                      <a:round/>
-                      <a:headEnd type="none" w="med" len="med"/>
-                      <a:tailEnd type="none" w="med" len="med"/>
-                    </a:lnB>
-                  </a:tcPr>
-                </a:tc>
-                <a:tc>
-                  <a:txBody>
-                    <a:bodyPr/>
-                    <a:lstStyle/>
-                    <a:p>
-                      <a:pPr algn="ctr"/>
-                      <a:r>
-                        <a:rPr lang="en-US" sz="1600" i="1" dirty="0"/>
-                        <a:t>O(log(N))</a:t>
-                      </a:r>
-                      <a:endParaRPr lang="ru-RU" sz="1600" i="1" dirty="0"/>
-                    </a:p>
-                  </a:txBody>
-                  <a:tcPr>
-                    <a:lnL w="12700" cap="flat" cmpd="sng" algn="ctr">
-                      <a:solidFill>
-                        <a:schemeClr val="tx1"/>
-                      </a:solidFill>
-                      <a:prstDash val="solid"/>
-                      <a:round/>
-                      <a:headEnd type="none" w="med" len="med"/>
-                      <a:tailEnd type="none" w="med" len="med"/>
-                    </a:lnL>
-                    <a:lnR w="12700" cap="flat" cmpd="sng" algn="ctr">
-                      <a:solidFill>
-                        <a:schemeClr val="tx1"/>
-                      </a:solidFill>
-                      <a:prstDash val="solid"/>
-                      <a:round/>
-                      <a:headEnd type="none" w="med" len="med"/>
-                      <a:tailEnd type="none" w="med" len="med"/>
-                    </a:lnR>
-                    <a:lnT w="12700" cap="flat" cmpd="sng" algn="ctr">
-                      <a:solidFill>
-                        <a:schemeClr val="tx1"/>
-                      </a:solidFill>
-                      <a:prstDash val="solid"/>
-                      <a:round/>
-                      <a:headEnd type="none" w="med" len="med"/>
-                      <a:tailEnd type="none" w="med" len="med"/>
-                    </a:lnT>
-                    <a:lnB w="12700" cap="flat" cmpd="sng" algn="ctr">
-                      <a:solidFill>
-                        <a:schemeClr val="tx1"/>
-                      </a:solidFill>
-                      <a:prstDash val="solid"/>
-                      <a:round/>
-                      <a:headEnd type="none" w="med" len="med"/>
-                      <a:tailEnd type="none" w="med" len="med"/>
-                    </a:lnB>
-                  </a:tcPr>
-                </a:tc>
-                <a:tc>
-                  <a:txBody>
-                    <a:bodyPr/>
-                    <a:lstStyle/>
-                    <a:p>
-                      <a:pPr algn="ctr"/>
-                      <a:r>
-                        <a:rPr lang="en-US" sz="1600" dirty="0"/>
-                        <a:t>+</a:t>
-                      </a:r>
-                      <a:endParaRPr lang="ru-RU" sz="1600" dirty="0"/>
-                    </a:p>
-                  </a:txBody>
-                  <a:tcPr>
-                    <a:lnL w="12700" cap="flat" cmpd="sng" algn="ctr">
-                      <a:solidFill>
-                        <a:schemeClr val="tx1"/>
-                      </a:solidFill>
-                      <a:prstDash val="solid"/>
-                      <a:round/>
-                      <a:headEnd type="none" w="med" len="med"/>
-                      <a:tailEnd type="none" w="med" len="med"/>
-                    </a:lnL>
-                    <a:lnR w="12700" cap="flat" cmpd="sng" algn="ctr">
-                      <a:solidFill>
-                        <a:schemeClr val="tx1"/>
-                      </a:solidFill>
-                      <a:prstDash val="solid"/>
-                      <a:round/>
-                      <a:headEnd type="none" w="med" len="med"/>
-                      <a:tailEnd type="none" w="med" len="med"/>
-                    </a:lnR>
-                    <a:lnT w="12700" cap="flat" cmpd="sng" algn="ctr">
-                      <a:solidFill>
-                        <a:schemeClr val="tx1"/>
-                      </a:solidFill>
-                      <a:prstDash val="solid"/>
-                      <a:round/>
-                      <a:headEnd type="none" w="med" len="med"/>
-                      <a:tailEnd type="none" w="med" len="med"/>
-                    </a:lnT>
-                    <a:lnB w="12700" cap="flat" cmpd="sng" algn="ctr">
-                      <a:solidFill>
-                        <a:schemeClr val="tx1"/>
-                      </a:solidFill>
-                      <a:prstDash val="solid"/>
-                      <a:round/>
-                      <a:headEnd type="none" w="med" len="med"/>
-                      <a:tailEnd type="none" w="med" len="med"/>
-                    </a:lnB>
-                  </a:tcPr>
-                </a:tc>
-                <a:tc>
-                  <a:txBody>
-                    <a:bodyPr/>
-                    <a:lstStyle/>
-                    <a:p>
-                      <a:pPr algn="ctr"/>
-                      <a:r>
-                        <a:rPr lang="en-US" sz="1600" dirty="0"/>
-                        <a:t>+</a:t>
-                      </a:r>
-                      <a:endParaRPr lang="ru-RU" sz="1600" dirty="0"/>
-                    </a:p>
-                  </a:txBody>
-                  <a:tcPr>
-                    <a:lnL w="12700" cap="flat" cmpd="sng" algn="ctr">
-                      <a:solidFill>
-                        <a:schemeClr val="tx1"/>
-                      </a:solidFill>
-                      <a:prstDash val="solid"/>
-                      <a:round/>
-                      <a:headEnd type="none" w="med" len="med"/>
-                      <a:tailEnd type="none" w="med" len="med"/>
-                    </a:lnL>
-                    <a:lnR w="12700" cap="flat" cmpd="sng" algn="ctr">
-                      <a:solidFill>
-                        <a:schemeClr val="tx1"/>
-                      </a:solidFill>
-                      <a:prstDash val="solid"/>
-                      <a:round/>
-                      <a:headEnd type="none" w="med" len="med"/>
-                      <a:tailEnd type="none" w="med" len="med"/>
-                    </a:lnR>
-                    <a:lnT w="12700" cap="flat" cmpd="sng" algn="ctr">
-                      <a:solidFill>
-                        <a:schemeClr val="tx1"/>
-                      </a:solidFill>
-                      <a:prstDash val="solid"/>
-                      <a:round/>
-                      <a:headEnd type="none" w="med" len="med"/>
-                      <a:tailEnd type="none" w="med" len="med"/>
-                    </a:lnT>
-                    <a:lnB w="12700" cap="flat" cmpd="sng" algn="ctr">
-                      <a:solidFill>
-                        <a:schemeClr val="tx1"/>
-                      </a:solidFill>
-                      <a:prstDash val="solid"/>
-                      <a:round/>
-                      <a:headEnd type="none" w="med" len="med"/>
-                      <a:tailEnd type="none" w="med" len="med"/>
-                    </a:lnB>
-                  </a:tcPr>
-                </a:tc>
-                <a:extLst>
-                  <a:ext uri="{0D108BD9-81ED-4DB2-BD59-A6C34878D82A}">
-                    <a16:rowId xmlns:a16="http://schemas.microsoft.com/office/drawing/2014/main" val="3383589800"/>
-                  </a:ext>
-                </a:extLst>
-              </a:tr>
-              <a:tr h="681403">
-                <a:tc>
-                  <a:txBody>
-                    <a:bodyPr/>
-                    <a:lstStyle/>
-                    <a:p>
-                      <a:r>
-                        <a:rPr lang="ru-RU" sz="1600" dirty="0"/>
-                        <a:t>Квадратичная </a:t>
-                      </a:r>
-                      <a:r>
-                        <a:rPr lang="en-US" sz="1600" dirty="0"/>
-                        <a:t>B-</a:t>
-                      </a:r>
-                      <a:r>
-                        <a:rPr lang="ru-RU" sz="1600" dirty="0"/>
-                        <a:t>сплайновая интерполяция</a:t>
-                      </a:r>
-                    </a:p>
-                  </a:txBody>
-                  <a:tcPr>
-                    <a:lnL w="12700" cap="flat" cmpd="sng" algn="ctr">
-                      <a:solidFill>
-                        <a:schemeClr val="tx1"/>
-                      </a:solidFill>
-                      <a:prstDash val="solid"/>
-                      <a:round/>
-                      <a:headEnd type="none" w="med" len="med"/>
-                      <a:tailEnd type="none" w="med" len="med"/>
-                    </a:lnL>
-                    <a:lnR w="12700" cap="flat" cmpd="sng" algn="ctr">
-                      <a:solidFill>
-                        <a:schemeClr val="tx1"/>
-                      </a:solidFill>
-                      <a:prstDash val="solid"/>
-                      <a:round/>
-                      <a:headEnd type="none" w="med" len="med"/>
-                      <a:tailEnd type="none" w="med" len="med"/>
-                    </a:lnR>
-                    <a:lnT w="12700" cap="flat" cmpd="sng" algn="ctr">
-                      <a:solidFill>
-                        <a:schemeClr val="tx1"/>
-                      </a:solidFill>
-                      <a:prstDash val="solid"/>
-                      <a:round/>
-                      <a:headEnd type="none" w="med" len="med"/>
-                      <a:tailEnd type="none" w="med" len="med"/>
-                    </a:lnT>
-                    <a:lnB w="12700" cap="flat" cmpd="sng" algn="ctr">
-                      <a:solidFill>
-                        <a:schemeClr val="tx1"/>
-                      </a:solidFill>
-                      <a:prstDash val="solid"/>
-                      <a:round/>
-                      <a:headEnd type="none" w="med" len="med"/>
-                      <a:tailEnd type="none" w="med" len="med"/>
-                    </a:lnB>
-                  </a:tcPr>
-                </a:tc>
-                <a:tc>
-                  <a:txBody>
-                    <a:bodyPr/>
-                    <a:lstStyle/>
-                    <a:p>
-                      <a:pPr algn="ctr"/>
-                      <a:r>
-                        <a:rPr lang="en-US" sz="1600" i="1" dirty="0"/>
-                        <a:t>O(N)</a:t>
-                      </a:r>
-                      <a:endParaRPr lang="ru-RU" sz="1600" i="1" dirty="0"/>
-                    </a:p>
-                  </a:txBody>
-                  <a:tcPr>
-                    <a:lnL w="12700" cap="flat" cmpd="sng" algn="ctr">
-                      <a:solidFill>
-                        <a:schemeClr val="tx1"/>
-                      </a:solidFill>
-                      <a:prstDash val="solid"/>
-                      <a:round/>
-                      <a:headEnd type="none" w="med" len="med"/>
-                      <a:tailEnd type="none" w="med" len="med"/>
-                    </a:lnL>
-                    <a:lnR w="12700" cap="flat" cmpd="sng" algn="ctr">
-                      <a:solidFill>
-                        <a:schemeClr val="tx1"/>
-                      </a:solidFill>
-                      <a:prstDash val="solid"/>
-                      <a:round/>
-                      <a:headEnd type="none" w="med" len="med"/>
-                      <a:tailEnd type="none" w="med" len="med"/>
-                    </a:lnR>
-                    <a:lnT w="12700" cap="flat" cmpd="sng" algn="ctr">
-                      <a:solidFill>
-                        <a:schemeClr val="tx1"/>
-                      </a:solidFill>
-                      <a:prstDash val="solid"/>
-                      <a:round/>
-                      <a:headEnd type="none" w="med" len="med"/>
-                      <a:tailEnd type="none" w="med" len="med"/>
-                    </a:lnT>
-                    <a:lnB w="12700" cap="flat" cmpd="sng" algn="ctr">
-                      <a:solidFill>
-                        <a:schemeClr val="tx1"/>
-                      </a:solidFill>
-                      <a:prstDash val="solid"/>
-                      <a:round/>
-                      <a:headEnd type="none" w="med" len="med"/>
-                      <a:tailEnd type="none" w="med" len="med"/>
-                    </a:lnB>
-                  </a:tcPr>
-                </a:tc>
-                <a:tc>
-                  <a:txBody>
-                    <a:bodyPr/>
-                    <a:lstStyle/>
-                    <a:p>
-                      <a:pPr algn="ctr"/>
-                      <a:r>
-                        <a:rPr lang="en-US" sz="1600" dirty="0"/>
-                        <a:t>+</a:t>
-                      </a:r>
-                      <a:endParaRPr lang="ru-RU" sz="1600" dirty="0"/>
-                    </a:p>
-                  </a:txBody>
-                  <a:tcPr>
-                    <a:lnL w="12700" cap="flat" cmpd="sng" algn="ctr">
-                      <a:solidFill>
-                        <a:schemeClr val="tx1"/>
-                      </a:solidFill>
-                      <a:prstDash val="solid"/>
-                      <a:round/>
-                      <a:headEnd type="none" w="med" len="med"/>
-                      <a:tailEnd type="none" w="med" len="med"/>
-                    </a:lnL>
-                    <a:lnR w="12700" cap="flat" cmpd="sng" algn="ctr">
-                      <a:solidFill>
-                        <a:schemeClr val="tx1"/>
-                      </a:solidFill>
-                      <a:prstDash val="solid"/>
-                      <a:round/>
-                      <a:headEnd type="none" w="med" len="med"/>
-                      <a:tailEnd type="none" w="med" len="med"/>
-                    </a:lnR>
-                    <a:lnT w="12700" cap="flat" cmpd="sng" algn="ctr">
-                      <a:solidFill>
-                        <a:schemeClr val="tx1"/>
-                      </a:solidFill>
-                      <a:prstDash val="solid"/>
-                      <a:round/>
-                      <a:headEnd type="none" w="med" len="med"/>
-                      <a:tailEnd type="none" w="med" len="med"/>
-                    </a:lnT>
-                    <a:lnB w="12700" cap="flat" cmpd="sng" algn="ctr">
-                      <a:solidFill>
-                        <a:schemeClr val="tx1"/>
-                      </a:solidFill>
-                      <a:prstDash val="solid"/>
-                      <a:round/>
-                      <a:headEnd type="none" w="med" len="med"/>
-                      <a:tailEnd type="none" w="med" len="med"/>
-                    </a:lnB>
-                  </a:tcPr>
-                </a:tc>
-                <a:tc>
-                  <a:txBody>
-                    <a:bodyPr/>
-                    <a:lstStyle/>
-                    <a:p>
-                      <a:pPr algn="ctr"/>
-                      <a:r>
-                        <a:rPr lang="en-US" sz="1600" dirty="0"/>
-                        <a:t>+</a:t>
-                      </a:r>
-                      <a:endParaRPr lang="ru-RU" sz="1600" dirty="0"/>
-                    </a:p>
-                  </a:txBody>
-                  <a:tcPr>
-                    <a:lnL w="12700" cap="flat" cmpd="sng" algn="ctr">
-                      <a:solidFill>
-                        <a:schemeClr val="tx1"/>
-                      </a:solidFill>
-                      <a:prstDash val="solid"/>
-                      <a:round/>
-                      <a:headEnd type="none" w="med" len="med"/>
-                      <a:tailEnd type="none" w="med" len="med"/>
-                    </a:lnL>
-                    <a:lnR w="12700" cap="flat" cmpd="sng" algn="ctr">
-                      <a:solidFill>
-                        <a:schemeClr val="tx1"/>
-                      </a:solidFill>
-                      <a:prstDash val="solid"/>
-                      <a:round/>
-                      <a:headEnd type="none" w="med" len="med"/>
-                      <a:tailEnd type="none" w="med" len="med"/>
-                    </a:lnR>
-                    <a:lnT w="12700" cap="flat" cmpd="sng" algn="ctr">
-                      <a:solidFill>
-                        <a:schemeClr val="tx1"/>
-                      </a:solidFill>
-                      <a:prstDash val="solid"/>
-                      <a:round/>
-                      <a:headEnd type="none" w="med" len="med"/>
-                      <a:tailEnd type="none" w="med" len="med"/>
-                    </a:lnT>
-                    <a:lnB w="12700" cap="flat" cmpd="sng" algn="ctr">
-                      <a:solidFill>
-                        <a:schemeClr val="tx1"/>
-                      </a:solidFill>
-                      <a:prstDash val="solid"/>
-                      <a:round/>
-                      <a:headEnd type="none" w="med" len="med"/>
-                      <a:tailEnd type="none" w="med" len="med"/>
-                    </a:lnB>
-                  </a:tcPr>
-                </a:tc>
-                <a:extLst>
-                  <a:ext uri="{0D108BD9-81ED-4DB2-BD59-A6C34878D82A}">
-                    <a16:rowId xmlns:a16="http://schemas.microsoft.com/office/drawing/2014/main" val="4251356864"/>
-                  </a:ext>
-                </a:extLst>
-              </a:tr>
-              <a:tr h="681403">
-                <a:tc>
-                  <a:txBody>
-                    <a:bodyPr/>
-                    <a:lstStyle/>
-                    <a:p>
-                      <a:r>
-                        <a:rPr lang="ru-RU" sz="1600" dirty="0"/>
-                        <a:t>Кубическая </a:t>
-                      </a:r>
-                      <a:r>
-                        <a:rPr lang="en-US" sz="1600" dirty="0"/>
-                        <a:t>B-</a:t>
-                      </a:r>
-                      <a:r>
-                        <a:rPr lang="ru-RU" sz="1600" dirty="0"/>
-                        <a:t>сплайновая интерполяция</a:t>
-                      </a:r>
-                    </a:p>
-                  </a:txBody>
-                  <a:tcPr>
-                    <a:lnL w="12700" cap="flat" cmpd="sng" algn="ctr">
-                      <a:solidFill>
-                        <a:schemeClr val="tx1"/>
-                      </a:solidFill>
-                      <a:prstDash val="solid"/>
-                      <a:round/>
-                      <a:headEnd type="none" w="med" len="med"/>
-                      <a:tailEnd type="none" w="med" len="med"/>
-                    </a:lnL>
-                    <a:lnR w="12700" cap="flat" cmpd="sng" algn="ctr">
-                      <a:solidFill>
-                        <a:schemeClr val="tx1"/>
-                      </a:solidFill>
-                      <a:prstDash val="solid"/>
-                      <a:round/>
-                      <a:headEnd type="none" w="med" len="med"/>
-                      <a:tailEnd type="none" w="med" len="med"/>
-                    </a:lnR>
-                    <a:lnT w="12700" cap="flat" cmpd="sng" algn="ctr">
-                      <a:solidFill>
-                        <a:schemeClr val="tx1"/>
-                      </a:solidFill>
-                      <a:prstDash val="solid"/>
-                      <a:round/>
-                      <a:headEnd type="none" w="med" len="med"/>
-                      <a:tailEnd type="none" w="med" len="med"/>
-                    </a:lnT>
-                    <a:lnB w="12700" cap="flat" cmpd="sng" algn="ctr">
-                      <a:solidFill>
-                        <a:schemeClr val="tx1"/>
-                      </a:solidFill>
-                      <a:prstDash val="solid"/>
-                      <a:round/>
-                      <a:headEnd type="none" w="med" len="med"/>
-                      <a:tailEnd type="none" w="med" len="med"/>
-                    </a:lnB>
-                  </a:tcPr>
-                </a:tc>
-                <a:tc>
-                  <a:txBody>
-                    <a:bodyPr/>
-                    <a:lstStyle/>
-                    <a:p>
-                      <a:pPr algn="ctr"/>
-                      <a:r>
-                        <a:rPr lang="en-US" sz="1600" i="1" dirty="0"/>
-                        <a:t>O(N)</a:t>
-                      </a:r>
-                      <a:endParaRPr lang="ru-RU" sz="1600" i="1" dirty="0"/>
-                    </a:p>
-                  </a:txBody>
-                  <a:tcPr>
-                    <a:lnL w="12700" cap="flat" cmpd="sng" algn="ctr">
-                      <a:solidFill>
-                        <a:schemeClr val="tx1"/>
-                      </a:solidFill>
-                      <a:prstDash val="solid"/>
-                      <a:round/>
-                      <a:headEnd type="none" w="med" len="med"/>
-                      <a:tailEnd type="none" w="med" len="med"/>
-                    </a:lnL>
-                    <a:lnR w="12700" cap="flat" cmpd="sng" algn="ctr">
-                      <a:solidFill>
-                        <a:schemeClr val="tx1"/>
-                      </a:solidFill>
-                      <a:prstDash val="solid"/>
-                      <a:round/>
-                      <a:headEnd type="none" w="med" len="med"/>
-                      <a:tailEnd type="none" w="med" len="med"/>
-                    </a:lnR>
-                    <a:lnT w="12700" cap="flat" cmpd="sng" algn="ctr">
-                      <a:solidFill>
-                        <a:schemeClr val="tx1"/>
-                      </a:solidFill>
-                      <a:prstDash val="solid"/>
-                      <a:round/>
-                      <a:headEnd type="none" w="med" len="med"/>
-                      <a:tailEnd type="none" w="med" len="med"/>
-                    </a:lnT>
-                    <a:lnB w="12700" cap="flat" cmpd="sng" algn="ctr">
-                      <a:solidFill>
-                        <a:schemeClr val="tx1"/>
-                      </a:solidFill>
-                      <a:prstDash val="solid"/>
-                      <a:round/>
-                      <a:headEnd type="none" w="med" len="med"/>
-                      <a:tailEnd type="none" w="med" len="med"/>
-                    </a:lnB>
-                  </a:tcPr>
-                </a:tc>
-                <a:tc>
-                  <a:txBody>
-                    <a:bodyPr/>
-                    <a:lstStyle/>
-                    <a:p>
-                      <a:pPr algn="ctr"/>
-                      <a:r>
-                        <a:rPr lang="en-US" sz="1600" dirty="0"/>
-                        <a:t>+</a:t>
-                      </a:r>
-                      <a:endParaRPr lang="ru-RU" sz="1600" dirty="0"/>
-                    </a:p>
-                  </a:txBody>
-                  <a:tcPr>
-                    <a:lnL w="12700" cap="flat" cmpd="sng" algn="ctr">
-                      <a:solidFill>
-                        <a:schemeClr val="tx1"/>
-                      </a:solidFill>
-                      <a:prstDash val="solid"/>
-                      <a:round/>
-                      <a:headEnd type="none" w="med" len="med"/>
-                      <a:tailEnd type="none" w="med" len="med"/>
-                    </a:lnL>
-                    <a:lnR w="12700" cap="flat" cmpd="sng" algn="ctr">
-                      <a:solidFill>
-                        <a:schemeClr val="tx1"/>
-                      </a:solidFill>
-                      <a:prstDash val="solid"/>
-                      <a:round/>
-                      <a:headEnd type="none" w="med" len="med"/>
-                      <a:tailEnd type="none" w="med" len="med"/>
-                    </a:lnR>
-                    <a:lnT w="12700" cap="flat" cmpd="sng" algn="ctr">
-                      <a:solidFill>
-                        <a:schemeClr val="tx1"/>
-                      </a:solidFill>
-                      <a:prstDash val="solid"/>
-                      <a:round/>
-                      <a:headEnd type="none" w="med" len="med"/>
-                      <a:tailEnd type="none" w="med" len="med"/>
-                    </a:lnT>
-                    <a:lnB w="12700" cap="flat" cmpd="sng" algn="ctr">
-                      <a:solidFill>
-                        <a:schemeClr val="tx1"/>
-                      </a:solidFill>
-                      <a:prstDash val="solid"/>
-                      <a:round/>
-                      <a:headEnd type="none" w="med" len="med"/>
-                      <a:tailEnd type="none" w="med" len="med"/>
-                    </a:lnB>
-                  </a:tcPr>
-                </a:tc>
-                <a:tc>
-                  <a:txBody>
-                    <a:bodyPr/>
-                    <a:lstStyle/>
-                    <a:p>
-                      <a:pPr algn="ctr"/>
-                      <a:r>
-                        <a:rPr lang="en-US" sz="1600" dirty="0"/>
-                        <a:t>+</a:t>
-                      </a:r>
-                      <a:endParaRPr lang="ru-RU" sz="1600" dirty="0"/>
-                    </a:p>
-                  </a:txBody>
-                  <a:tcPr>
-                    <a:lnL w="12700" cap="flat" cmpd="sng" algn="ctr">
-                      <a:solidFill>
-                        <a:schemeClr val="tx1"/>
-                      </a:solidFill>
-                      <a:prstDash val="solid"/>
-                      <a:round/>
-                      <a:headEnd type="none" w="med" len="med"/>
-                      <a:tailEnd type="none" w="med" len="med"/>
-                    </a:lnL>
-                    <a:lnR w="12700" cap="flat" cmpd="sng" algn="ctr">
-                      <a:solidFill>
-                        <a:schemeClr val="tx1"/>
-                      </a:solidFill>
-                      <a:prstDash val="solid"/>
-                      <a:round/>
-                      <a:headEnd type="none" w="med" len="med"/>
-                      <a:tailEnd type="none" w="med" len="med"/>
-                    </a:lnR>
-                    <a:lnT w="12700" cap="flat" cmpd="sng" algn="ctr">
-                      <a:solidFill>
-                        <a:schemeClr val="tx1"/>
-                      </a:solidFill>
-                      <a:prstDash val="solid"/>
-                      <a:round/>
-                      <a:headEnd type="none" w="med" len="med"/>
-                      <a:tailEnd type="none" w="med" len="med"/>
-                    </a:lnT>
-                    <a:lnB w="12700" cap="flat" cmpd="sng" algn="ctr">
-                      <a:solidFill>
-                        <a:schemeClr val="tx1"/>
-                      </a:solidFill>
-                      <a:prstDash val="solid"/>
-                      <a:round/>
-                      <a:headEnd type="none" w="med" len="med"/>
-                      <a:tailEnd type="none" w="med" len="med"/>
-                    </a:lnB>
-                  </a:tcPr>
-                </a:tc>
-                <a:extLst>
-                  <a:ext uri="{0D108BD9-81ED-4DB2-BD59-A6C34878D82A}">
-                    <a16:rowId xmlns:a16="http://schemas.microsoft.com/office/drawing/2014/main" val="3878277795"/>
-                  </a:ext>
-                </a:extLst>
-              </a:tr>
-              <a:tr h="681403">
-                <a:tc>
-                  <a:txBody>
-                    <a:bodyPr/>
-                    <a:lstStyle/>
-                    <a:p>
-                      <a:r>
-                        <a:rPr lang="ru-RU" sz="1600" dirty="0"/>
-                        <a:t>Барицентрическая рациональная интерполяция</a:t>
-                      </a:r>
-                    </a:p>
-                  </a:txBody>
-                  <a:tcPr>
-                    <a:lnL w="12700" cap="flat" cmpd="sng" algn="ctr">
-                      <a:solidFill>
-                        <a:schemeClr val="tx1"/>
-                      </a:solidFill>
-                      <a:prstDash val="solid"/>
-                      <a:round/>
-                      <a:headEnd type="none" w="med" len="med"/>
-                      <a:tailEnd type="none" w="med" len="med"/>
-                    </a:lnL>
-                    <a:lnR w="12700" cap="flat" cmpd="sng" algn="ctr">
-                      <a:solidFill>
-                        <a:schemeClr val="tx1"/>
-                      </a:solidFill>
-                      <a:prstDash val="solid"/>
-                      <a:round/>
-                      <a:headEnd type="none" w="med" len="med"/>
-                      <a:tailEnd type="none" w="med" len="med"/>
-                    </a:lnR>
-                    <a:lnT w="12700" cap="flat" cmpd="sng" algn="ctr">
-                      <a:solidFill>
-                        <a:schemeClr val="tx1"/>
-                      </a:solidFill>
-                      <a:prstDash val="solid"/>
-                      <a:round/>
-                      <a:headEnd type="none" w="med" len="med"/>
-                      <a:tailEnd type="none" w="med" len="med"/>
-                    </a:lnT>
-                    <a:lnB w="12700" cap="flat" cmpd="sng" algn="ctr">
-                      <a:solidFill>
-                        <a:schemeClr val="tx1"/>
-                      </a:solidFill>
-                      <a:prstDash val="solid"/>
-                      <a:round/>
-                      <a:headEnd type="none" w="med" len="med"/>
-                      <a:tailEnd type="none" w="med" len="med"/>
-                    </a:lnB>
-                  </a:tcPr>
-                </a:tc>
-                <a:tc>
-                  <a:txBody>
-                    <a:bodyPr/>
-                    <a:lstStyle/>
-                    <a:p>
-                      <a:pPr algn="ctr"/>
-                      <a:r>
-                        <a:rPr lang="en-US" sz="1600" i="1" dirty="0"/>
-                        <a:t>O(N)</a:t>
-                      </a:r>
-                      <a:endParaRPr lang="ru-RU" sz="1600" i="1" dirty="0"/>
-                    </a:p>
-                  </a:txBody>
-                  <a:tcPr>
-                    <a:lnL w="12700" cap="flat" cmpd="sng" algn="ctr">
-                      <a:solidFill>
-                        <a:schemeClr val="tx1"/>
-                      </a:solidFill>
-                      <a:prstDash val="solid"/>
-                      <a:round/>
-                      <a:headEnd type="none" w="med" len="med"/>
-                      <a:tailEnd type="none" w="med" len="med"/>
-                    </a:lnL>
-                    <a:lnR w="12700" cap="flat" cmpd="sng" algn="ctr">
-                      <a:solidFill>
-                        <a:schemeClr val="tx1"/>
-                      </a:solidFill>
-                      <a:prstDash val="solid"/>
-                      <a:round/>
-                      <a:headEnd type="none" w="med" len="med"/>
-                      <a:tailEnd type="none" w="med" len="med"/>
-                    </a:lnR>
-                    <a:lnT w="12700" cap="flat" cmpd="sng" algn="ctr">
-                      <a:solidFill>
-                        <a:schemeClr val="tx1"/>
-                      </a:solidFill>
-                      <a:prstDash val="solid"/>
-                      <a:round/>
-                      <a:headEnd type="none" w="med" len="med"/>
-                      <a:tailEnd type="none" w="med" len="med"/>
-                    </a:lnT>
-                    <a:lnB w="12700" cap="flat" cmpd="sng" algn="ctr">
-                      <a:solidFill>
-                        <a:schemeClr val="tx1"/>
-                      </a:solidFill>
-                      <a:prstDash val="solid"/>
-                      <a:round/>
-                      <a:headEnd type="none" w="med" len="med"/>
-                      <a:tailEnd type="none" w="med" len="med"/>
-                    </a:lnB>
-                  </a:tcPr>
-                </a:tc>
-                <a:tc>
-                  <a:txBody>
-                    <a:bodyPr/>
-                    <a:lstStyle/>
-                    <a:p>
-                      <a:pPr algn="ctr"/>
-                      <a:r>
-                        <a:rPr lang="en-US" sz="1600" dirty="0"/>
-                        <a:t>+</a:t>
-                      </a:r>
-                      <a:endParaRPr lang="ru-RU" sz="1600" dirty="0"/>
-                    </a:p>
-                  </a:txBody>
-                  <a:tcPr>
-                    <a:lnL w="12700" cap="flat" cmpd="sng" algn="ctr">
-                      <a:solidFill>
-                        <a:schemeClr val="tx1"/>
-                      </a:solidFill>
-                      <a:prstDash val="solid"/>
-                      <a:round/>
-                      <a:headEnd type="none" w="med" len="med"/>
-                      <a:tailEnd type="none" w="med" len="med"/>
-                    </a:lnL>
-                    <a:lnR w="12700" cap="flat" cmpd="sng" algn="ctr">
-                      <a:solidFill>
-                        <a:schemeClr val="tx1"/>
-                      </a:solidFill>
-                      <a:prstDash val="solid"/>
-                      <a:round/>
-                      <a:headEnd type="none" w="med" len="med"/>
-                      <a:tailEnd type="none" w="med" len="med"/>
-                    </a:lnR>
-                    <a:lnT w="12700" cap="flat" cmpd="sng" algn="ctr">
-                      <a:solidFill>
-                        <a:schemeClr val="tx1"/>
-                      </a:solidFill>
-                      <a:prstDash val="solid"/>
-                      <a:round/>
-                      <a:headEnd type="none" w="med" len="med"/>
-                      <a:tailEnd type="none" w="med" len="med"/>
-                    </a:lnT>
-                    <a:lnB w="12700" cap="flat" cmpd="sng" algn="ctr">
-                      <a:solidFill>
-                        <a:schemeClr val="tx1"/>
-                      </a:solidFill>
-                      <a:prstDash val="solid"/>
-                      <a:round/>
-                      <a:headEnd type="none" w="med" len="med"/>
-                      <a:tailEnd type="none" w="med" len="med"/>
-                    </a:lnB>
-                  </a:tcPr>
-                </a:tc>
-                <a:tc>
-                  <a:txBody>
-                    <a:bodyPr/>
-                    <a:lstStyle/>
-                    <a:p>
-                      <a:pPr algn="ctr"/>
-                      <a:r>
-                        <a:rPr lang="en-US" sz="1600" dirty="0"/>
-                        <a:t>+</a:t>
-                      </a:r>
-                      <a:endParaRPr lang="ru-RU" sz="1600" dirty="0"/>
-                    </a:p>
-                  </a:txBody>
-                  <a:tcPr>
-                    <a:lnL w="12700" cap="flat" cmpd="sng" algn="ctr">
-                      <a:solidFill>
-                        <a:schemeClr val="tx1"/>
-                      </a:solidFill>
-                      <a:prstDash val="solid"/>
-                      <a:round/>
-                      <a:headEnd type="none" w="med" len="med"/>
-                      <a:tailEnd type="none" w="med" len="med"/>
-                    </a:lnL>
-                    <a:lnR w="12700" cap="flat" cmpd="sng" algn="ctr">
-                      <a:solidFill>
-                        <a:schemeClr val="tx1"/>
-                      </a:solidFill>
-                      <a:prstDash val="solid"/>
-                      <a:round/>
-                      <a:headEnd type="none" w="med" len="med"/>
-                      <a:tailEnd type="none" w="med" len="med"/>
-                    </a:lnR>
-                    <a:lnT w="12700" cap="flat" cmpd="sng" algn="ctr">
-                      <a:solidFill>
-                        <a:schemeClr val="tx1"/>
-                      </a:solidFill>
-                      <a:prstDash val="solid"/>
-                      <a:round/>
-                      <a:headEnd type="none" w="med" len="med"/>
-                      <a:tailEnd type="none" w="med" len="med"/>
-                    </a:lnT>
-                    <a:lnB w="12700" cap="flat" cmpd="sng" algn="ctr">
-                      <a:solidFill>
-                        <a:schemeClr val="tx1"/>
-                      </a:solidFill>
-                      <a:prstDash val="solid"/>
-                      <a:round/>
-                      <a:headEnd type="none" w="med" len="med"/>
-                      <a:tailEnd type="none" w="med" len="med"/>
-                    </a:lnB>
-                  </a:tcPr>
-                </a:tc>
-                <a:extLst>
-                  <a:ext uri="{0D108BD9-81ED-4DB2-BD59-A6C34878D82A}">
-                    <a16:rowId xmlns:a16="http://schemas.microsoft.com/office/drawing/2014/main" val="1021695262"/>
-                  </a:ext>
-                </a:extLst>
-              </a:tr>
-              <a:tr h="681403">
-                <a:tc>
-                  <a:txBody>
-                    <a:bodyPr/>
-                    <a:lstStyle/>
-                    <a:p>
-                      <a:r>
-                        <a:rPr lang="ru-RU" sz="1600" dirty="0"/>
-                        <a:t>Модифицированная интерполяция Акима</a:t>
-                      </a:r>
-                    </a:p>
-                  </a:txBody>
-                  <a:tcPr>
-                    <a:lnL w="12700" cap="flat" cmpd="sng" algn="ctr">
-                      <a:solidFill>
-                        <a:schemeClr val="tx1"/>
-                      </a:solidFill>
-                      <a:prstDash val="solid"/>
-                      <a:round/>
-                      <a:headEnd type="none" w="med" len="med"/>
-                      <a:tailEnd type="none" w="med" len="med"/>
-                    </a:lnL>
-                    <a:lnR w="12700" cap="flat" cmpd="sng" algn="ctr">
-                      <a:solidFill>
-                        <a:schemeClr val="tx1"/>
-                      </a:solidFill>
-                      <a:prstDash val="solid"/>
-                      <a:round/>
-                      <a:headEnd type="none" w="med" len="med"/>
-                      <a:tailEnd type="none" w="med" len="med"/>
-                    </a:lnR>
-                    <a:lnT w="12700" cap="flat" cmpd="sng" algn="ctr">
-                      <a:solidFill>
-                        <a:schemeClr val="tx1"/>
-                      </a:solidFill>
-                      <a:prstDash val="solid"/>
-                      <a:round/>
-                      <a:headEnd type="none" w="med" len="med"/>
-                      <a:tailEnd type="none" w="med" len="med"/>
-                    </a:lnT>
-                    <a:lnB w="12700" cap="flat" cmpd="sng" algn="ctr">
-                      <a:solidFill>
-                        <a:schemeClr val="tx1"/>
-                      </a:solidFill>
-                      <a:prstDash val="solid"/>
-                      <a:round/>
-                      <a:headEnd type="none" w="med" len="med"/>
-                      <a:tailEnd type="none" w="med" len="med"/>
-                    </a:lnB>
-                  </a:tcPr>
-                </a:tc>
-                <a:tc>
-                  <a:txBody>
-                    <a:bodyPr/>
-                    <a:lstStyle/>
-                    <a:p>
-                      <a:pPr algn="ctr"/>
-                      <a:r>
-                        <a:rPr lang="en-US" sz="1600" i="1" dirty="0"/>
-                        <a:t>O(log(N))</a:t>
-                      </a:r>
-                      <a:endParaRPr lang="ru-RU" sz="1600" i="1" dirty="0"/>
-                    </a:p>
-                  </a:txBody>
-                  <a:tcPr>
-                    <a:lnL w="12700" cap="flat" cmpd="sng" algn="ctr">
-                      <a:solidFill>
-                        <a:schemeClr val="tx1"/>
-                      </a:solidFill>
-                      <a:prstDash val="solid"/>
-                      <a:round/>
-                      <a:headEnd type="none" w="med" len="med"/>
-                      <a:tailEnd type="none" w="med" len="med"/>
-                    </a:lnL>
-                    <a:lnR w="12700" cap="flat" cmpd="sng" algn="ctr">
-                      <a:solidFill>
-                        <a:schemeClr val="tx1"/>
-                      </a:solidFill>
-                      <a:prstDash val="solid"/>
-                      <a:round/>
-                      <a:headEnd type="none" w="med" len="med"/>
-                      <a:tailEnd type="none" w="med" len="med"/>
-                    </a:lnR>
-                    <a:lnT w="12700" cap="flat" cmpd="sng" algn="ctr">
-                      <a:solidFill>
-                        <a:schemeClr val="tx1"/>
-                      </a:solidFill>
-                      <a:prstDash val="solid"/>
-                      <a:round/>
-                      <a:headEnd type="none" w="med" len="med"/>
-                      <a:tailEnd type="none" w="med" len="med"/>
-                    </a:lnT>
-                    <a:lnB w="12700" cap="flat" cmpd="sng" algn="ctr">
-                      <a:solidFill>
-                        <a:schemeClr val="tx1"/>
-                      </a:solidFill>
-                      <a:prstDash val="solid"/>
-                      <a:round/>
-                      <a:headEnd type="none" w="med" len="med"/>
-                      <a:tailEnd type="none" w="med" len="med"/>
-                    </a:lnB>
-                  </a:tcPr>
-                </a:tc>
-                <a:tc>
-                  <a:txBody>
-                    <a:bodyPr/>
-                    <a:lstStyle/>
-                    <a:p>
-                      <a:pPr algn="ctr"/>
-                      <a:r>
-                        <a:rPr lang="en-US" sz="1600" dirty="0"/>
-                        <a:t>+</a:t>
-                      </a:r>
-                      <a:endParaRPr lang="ru-RU" sz="1600" dirty="0"/>
-                    </a:p>
-                  </a:txBody>
-                  <a:tcPr>
-                    <a:lnL w="12700" cap="flat" cmpd="sng" algn="ctr">
-                      <a:solidFill>
-                        <a:schemeClr val="tx1"/>
-                      </a:solidFill>
-                      <a:prstDash val="solid"/>
-                      <a:round/>
-                      <a:headEnd type="none" w="med" len="med"/>
-                      <a:tailEnd type="none" w="med" len="med"/>
-                    </a:lnL>
-                    <a:lnR w="12700" cap="flat" cmpd="sng" algn="ctr">
-                      <a:solidFill>
-                        <a:schemeClr val="tx1"/>
-                      </a:solidFill>
-                      <a:prstDash val="solid"/>
-                      <a:round/>
-                      <a:headEnd type="none" w="med" len="med"/>
-                      <a:tailEnd type="none" w="med" len="med"/>
-                    </a:lnR>
-                    <a:lnT w="12700" cap="flat" cmpd="sng" algn="ctr">
-                      <a:solidFill>
-                        <a:schemeClr val="tx1"/>
-                      </a:solidFill>
-                      <a:prstDash val="solid"/>
-                      <a:round/>
-                      <a:headEnd type="none" w="med" len="med"/>
-                      <a:tailEnd type="none" w="med" len="med"/>
-                    </a:lnT>
-                    <a:lnB w="12700" cap="flat" cmpd="sng" algn="ctr">
-                      <a:solidFill>
-                        <a:schemeClr val="tx1"/>
-                      </a:solidFill>
-                      <a:prstDash val="solid"/>
-                      <a:round/>
-                      <a:headEnd type="none" w="med" len="med"/>
-                      <a:tailEnd type="none" w="med" len="med"/>
-                    </a:lnB>
-                  </a:tcPr>
-                </a:tc>
-                <a:tc>
-                  <a:txBody>
-                    <a:bodyPr/>
-                    <a:lstStyle/>
-                    <a:p>
-                      <a:pPr algn="ctr"/>
-                      <a:r>
-                        <a:rPr lang="en-US" sz="1600" dirty="0"/>
-                        <a:t>+</a:t>
-                      </a:r>
-                      <a:endParaRPr lang="ru-RU" sz="1600" dirty="0"/>
-                    </a:p>
-                  </a:txBody>
-                  <a:tcPr>
-                    <a:lnL w="12700" cap="flat" cmpd="sng" algn="ctr">
-                      <a:solidFill>
-                        <a:schemeClr val="tx1"/>
-                      </a:solidFill>
-                      <a:prstDash val="solid"/>
-                      <a:round/>
-                      <a:headEnd type="none" w="med" len="med"/>
-                      <a:tailEnd type="none" w="med" len="med"/>
-                    </a:lnL>
-                    <a:lnR w="12700" cap="flat" cmpd="sng" algn="ctr">
-                      <a:solidFill>
-                        <a:schemeClr val="tx1"/>
-                      </a:solidFill>
-                      <a:prstDash val="solid"/>
-                      <a:round/>
-                      <a:headEnd type="none" w="med" len="med"/>
-                      <a:tailEnd type="none" w="med" len="med"/>
-                    </a:lnR>
-                    <a:lnT w="12700" cap="flat" cmpd="sng" algn="ctr">
-                      <a:solidFill>
-                        <a:schemeClr val="tx1"/>
-                      </a:solidFill>
-                      <a:prstDash val="solid"/>
-                      <a:round/>
-                      <a:headEnd type="none" w="med" len="med"/>
-                      <a:tailEnd type="none" w="med" len="med"/>
-                    </a:lnT>
-                    <a:lnB w="12700" cap="flat" cmpd="sng" algn="ctr">
-                      <a:solidFill>
-                        <a:schemeClr val="tx1"/>
-                      </a:solidFill>
-                      <a:prstDash val="solid"/>
-                      <a:round/>
-                      <a:headEnd type="none" w="med" len="med"/>
-                      <a:tailEnd type="none" w="med" len="med"/>
-                    </a:lnB>
-                  </a:tcPr>
-                </a:tc>
-                <a:extLst>
-                  <a:ext uri="{0D108BD9-81ED-4DB2-BD59-A6C34878D82A}">
-                    <a16:rowId xmlns:a16="http://schemas.microsoft.com/office/drawing/2014/main" val="2500434778"/>
-                  </a:ext>
-                </a:extLst>
-              </a:tr>
-            </a:tbl>
-          </a:graphicData>
-        </a:graphic>
-      </p:graphicFrame>
-      <p:cxnSp>
-        <p:nvCxnSpPr>
-          <p:cNvPr id="7" name="Прямая соединительная линия 6">
-            <a:extLst>
-              <a:ext uri="{FF2B5EF4-FFF2-40B4-BE49-F238E27FC236}">
-                <a16:creationId xmlns:a16="http://schemas.microsoft.com/office/drawing/2014/main" id="{75D01401-AF66-47CC-A3B0-2971D8DC4308}"/>
-              </a:ext>
-            </a:extLst>
-          </p:cNvPr>
-          <p:cNvCxnSpPr>
-            <a:cxnSpLocks/>
-          </p:cNvCxnSpPr>
-          <p:nvPr/>
-        </p:nvCxnSpPr>
+          </a:blip>
+          <a:stretch>
+            <a:fillRect/>
+          </a:stretch>
+        </p:blipFill>
         <p:spPr>
           <a:xfrm>
-            <a:off x="311700" y="1447800"/>
-            <a:ext cx="3110950" cy="679450"/>
+            <a:off x="239987" y="1799307"/>
+            <a:ext cx="8582025" cy="3343275"/>
           </a:xfrm>
-          <a:prstGeom prst="line">
+          <a:prstGeom prst="rect">
             <a:avLst/>
           </a:prstGeom>
         </p:spPr>
-        <p:style>
-          <a:lnRef idx="1">
-            <a:schemeClr val="dk1"/>
-          </a:lnRef>
-          <a:fillRef idx="0">
-            <a:schemeClr val="dk1"/>
-          </a:fillRef>
-          <a:effectRef idx="0">
-            <a:schemeClr val="dk1"/>
-          </a:effectRef>
-          <a:fontRef idx="minor">
-            <a:schemeClr val="tx1"/>
-          </a:fontRef>
-        </p:style>
-      </p:cxnSp>
+      </p:pic>
     </p:spTree>
   </p:cSld>
   <p:clrMapOvr>
@@ -9252,6 +7814,9 @@
           </a:p>
           <a:p>
             <a:pPr indent="-457200">
+              <a:lnSpc>
+                <a:spcPct val="100000"/>
+              </a:lnSpc>
               <a:spcAft>
                 <a:spcPts val="1600"/>
               </a:spcAft>
@@ -9264,11 +7829,27 @@
                   <a:srgbClr val="000000"/>
                 </a:solidFill>
               </a:rPr>
-              <a:t>Продукт должен включать один или несколько алгоритмов восстановления</a:t>
-            </a:r>
+              <a:t>Продукт должен включать один или несколько алгоритмов </a:t>
+            </a:r>
+            <a:r>
+              <a:rPr lang="ru-RU" sz="2000" dirty="0" smtClean="0">
+                <a:solidFill>
+                  <a:srgbClr val="000000"/>
+                </a:solidFill>
+              </a:rPr>
+              <a:t>восстановления.</a:t>
+            </a:r>
+            <a:endParaRPr lang="ru-RU" sz="2000" dirty="0">
+              <a:solidFill>
+                <a:srgbClr val="000000"/>
+              </a:solidFill>
+            </a:endParaRPr>
           </a:p>
           <a:p>
             <a:pPr indent="-457200">
+              <a:lnSpc>
+                <a:spcPct val="100000"/>
+              </a:lnSpc>
               <a:spcAft>
                 <a:spcPts val="1600"/>
               </a:spcAft>
@@ -9276,16 +7857,56 @@
               <a:buAutoNum type="arabicPeriod"/>
             </a:pPr>
             <a:r>
+              <a:rPr lang="ru-RU" sz="2000" dirty="0" smtClean="0">
+                <a:solidFill>
+                  <a:srgbClr val="000000"/>
+                </a:solidFill>
+              </a:rPr>
+              <a:t>Используемые методы восстановления должны </a:t>
+            </a:r>
+            <a:r>
+              <a:rPr lang="ru-RU" sz="2000" dirty="0" smtClean="0">
+                <a:solidFill>
+                  <a:srgbClr val="000000"/>
+                </a:solidFill>
+              </a:rPr>
+              <a:t>быть </a:t>
+            </a:r>
+            <a:r>
+              <a:rPr lang="ru-RU" sz="2000" dirty="0" smtClean="0">
+                <a:solidFill>
+                  <a:srgbClr val="000000"/>
+                </a:solidFill>
+              </a:rPr>
+              <a:t>реализованы </a:t>
+            </a:r>
+            <a:r>
               <a:rPr lang="ru-RU" sz="2000" dirty="0">
                 <a:solidFill>
                   <a:srgbClr val="000000"/>
                 </a:solidFill>
               </a:rPr>
-              <a:t>В программной системе должны использоваться методы, реализованные в готовых математических библиотеках</a:t>
-            </a:r>
+              <a:t>в готовых математических </a:t>
+            </a:r>
+            <a:r>
+              <a:rPr lang="ru-RU" sz="2000" dirty="0" smtClean="0">
+                <a:solidFill>
+                  <a:srgbClr val="000000"/>
+                </a:solidFill>
+              </a:rPr>
+              <a:t>библиотеках.</a:t>
+            </a:r>
+            <a:endParaRPr lang="ru-RU" sz="2000" dirty="0">
+              <a:solidFill>
+                <a:srgbClr val="000000"/>
+              </a:solidFill>
+            </a:endParaRPr>
           </a:p>
           <a:p>
             <a:pPr indent="-457200">
+              <a:lnSpc>
+                <a:spcPct val="100000"/>
+              </a:lnSpc>
               <a:spcAft>
                 <a:spcPts val="1600"/>
               </a:spcAft>
@@ -9298,8 +7919,32 @@
                   <a:srgbClr val="000000"/>
                 </a:solidFill>
               </a:rPr>
-              <a:t>Программная система должна иметь возможность менять условия или параметры используемых алгоритмов интерполяции в зависимости от ситуации и предоставлять удобный пользовательский интерфейс.</a:t>
-            </a:r>
+              <a:t>Программная система должна иметь возможность менять условия или параметры используемых алгоритмов интерполяции в зависимости от ситуации и предоставлять удобный пользовательский интерфейс</a:t>
+            </a:r>
+            <a:r>
+              <a:rPr lang="ru-RU" sz="2000" dirty="0" smtClean="0">
+                <a:solidFill>
+                  <a:srgbClr val="000000"/>
+                </a:solidFill>
+              </a:rPr>
+              <a:t>.</a:t>
+            </a:r>
+          </a:p>
+          <a:p>
+            <a:pPr marL="0" indent="0">
+              <a:lnSpc>
+                <a:spcPct val="100000"/>
+              </a:lnSpc>
+              <a:spcAft>
+                <a:spcPts val="1600"/>
+              </a:spcAft>
+              <a:buNone/>
+            </a:pPr>
+            <a:endParaRPr lang="ru-RU" sz="2000" dirty="0">
+              <a:solidFill>
+                <a:srgbClr val="000000"/>
+              </a:solidFill>
+            </a:endParaRPr>
           </a:p>
         </p:txBody>
       </p:sp>
@@ -9945,15 +8590,15 @@
               <a:t>По методике </a:t>
             </a:r>
             <a:r>
-              <a:rPr lang="en-US" sz="2000" dirty="0">
+              <a:rPr lang="ru-RU" dirty="0">
                 <a:solidFill>
                   <a:schemeClr val="tx1"/>
                 </a:solidFill>
               </a:rPr>
-              <a:t>“</a:t>
-            </a:r>
-            <a:r>
-              <a:rPr lang="ru-RU" sz="2000" dirty="0">
+              <a:t>«</a:t>
+            </a:r>
+            <a:r>
+              <a:rPr lang="ru-RU" sz="2000" dirty="0" smtClean="0">
                 <a:solidFill>
                   <a:schemeClr val="tx1"/>
                 </a:solidFill>
@@ -9961,13 +8606,18 @@
               <a:t>белого ящика</a:t>
             </a:r>
             <a:r>
-              <a:rPr lang="en-US" sz="2000" dirty="0">
+              <a:rPr lang="ru-RU" dirty="0" smtClean="0">
                 <a:solidFill>
                   <a:schemeClr val="tx1"/>
                 </a:solidFill>
               </a:rPr>
-              <a:t>”</a:t>
-            </a:r>
+              <a:t>»</a:t>
+            </a:r>
+            <a:endParaRPr lang="en-US" sz="2000" dirty="0">
+              <a:solidFill>
+                <a:schemeClr val="tx1"/>
+              </a:solidFill>
+            </a:endParaRPr>
           </a:p>
         </p:txBody>
       </p:sp>

--- a/paper/Презентация_защита.pptx
+++ b/paper/Презентация_защита.pptx
@@ -5,7 +5,7 @@
     <p:sldMasterId id="2147483659" r:id="rId1"/>
   </p:sldMasterIdLst>
   <p:notesMasterIdLst>
-    <p:notesMasterId r:id="rId12"/>
+    <p:notesMasterId r:id="rId14"/>
   </p:notesMasterIdLst>
   <p:sldIdLst>
     <p:sldId id="256" r:id="rId2"/>
@@ -14,10 +14,12 @@
     <p:sldId id="259" r:id="rId5"/>
     <p:sldId id="260" r:id="rId6"/>
     <p:sldId id="261" r:id="rId7"/>
-    <p:sldId id="262" r:id="rId8"/>
-    <p:sldId id="264" r:id="rId9"/>
+    <p:sldId id="268" r:id="rId8"/>
+    <p:sldId id="269" r:id="rId9"/>
     <p:sldId id="265" r:id="rId10"/>
     <p:sldId id="263" r:id="rId11"/>
+    <p:sldId id="266" r:id="rId12"/>
+    <p:sldId id="262" r:id="rId13"/>
   </p:sldIdLst>
   <p:sldSz cx="9144000" cy="6858000" type="screen4x3"/>
   <p:notesSz cx="6858000" cy="9144000"/>
@@ -814,110 +816,6 @@
 </p:notes>
 </file>
 
-<file path=ppt/notesSlides/notesSlide10.xml><?xml version="1.0" encoding="utf-8"?>
-<p:notes xmlns:a="http://schemas.openxmlformats.org/drawingml/2006/main" xmlns:r="http://schemas.openxmlformats.org/officeDocument/2006/relationships" xmlns:p="http://schemas.openxmlformats.org/presentationml/2006/main" showMasterSp="0" showMasterPhAnim="0">
-  <p:cSld>
-    <p:spTree>
-      <p:nvGrpSpPr>
-        <p:cNvPr id="1" name="Shape 107"/>
-        <p:cNvGrpSpPr/>
-        <p:nvPr/>
-      </p:nvGrpSpPr>
-      <p:grpSpPr>
-        <a:xfrm>
-          <a:off x="0" y="0"/>
-          <a:ext cx="0" cy="0"/>
-          <a:chOff x="0" y="0"/>
-          <a:chExt cx="0" cy="0"/>
-        </a:xfrm>
-      </p:grpSpPr>
-      <p:sp>
-        <p:nvSpPr>
-          <p:cNvPr id="108" name="Google Shape;108;g5a32bfd86c_0_5:notes"/>
-          <p:cNvSpPr>
-            <a:spLocks noGrp="1" noRot="1" noChangeAspect="1"/>
-          </p:cNvSpPr>
-          <p:nvPr>
-            <p:ph type="sldImg" idx="2"/>
-          </p:nvPr>
-        </p:nvSpPr>
-        <p:spPr>
-          <a:xfrm>
-            <a:off x="1143000" y="685800"/>
-            <a:ext cx="4572000" cy="3429000"/>
-          </a:xfrm>
-          <a:custGeom>
-            <a:avLst/>
-            <a:gdLst/>
-            <a:ahLst/>
-            <a:cxnLst/>
-            <a:rect l="l" t="t" r="r" b="b"/>
-            <a:pathLst>
-              <a:path w="120000" h="120000" extrusionOk="0">
-                <a:moveTo>
-                  <a:pt x="0" y="0"/>
-                </a:moveTo>
-                <a:lnTo>
-                  <a:pt x="120000" y="0"/>
-                </a:lnTo>
-                <a:lnTo>
-                  <a:pt x="120000" y="120000"/>
-                </a:lnTo>
-                <a:lnTo>
-                  <a:pt x="0" y="120000"/>
-                </a:lnTo>
-                <a:close/>
-              </a:path>
-            </a:pathLst>
-          </a:custGeom>
-        </p:spPr>
-      </p:sp>
-      <p:sp>
-        <p:nvSpPr>
-          <p:cNvPr id="109" name="Google Shape;109;g5a32bfd86c_0_5:notes"/>
-          <p:cNvSpPr txBox="1">
-            <a:spLocks noGrp="1"/>
-          </p:cNvSpPr>
-          <p:nvPr>
-            <p:ph type="body" idx="1"/>
-          </p:nvPr>
-        </p:nvSpPr>
-        <p:spPr>
-          <a:xfrm>
-            <a:off x="685800" y="4343400"/>
-            <a:ext cx="5486400" cy="4114800"/>
-          </a:xfrm>
-          <a:prstGeom prst="rect">
-            <a:avLst/>
-          </a:prstGeom>
-        </p:spPr>
-        <p:txBody>
-          <a:bodyPr spcFirstLastPara="1" wrap="square" lIns="91425" tIns="91425" rIns="91425" bIns="91425" anchor="t" anchorCtr="0">
-            <a:noAutofit/>
-          </a:bodyPr>
-          <a:lstStyle/>
-          <a:p>
-            <a:pPr marL="0" lvl="0" indent="0" algn="l" rtl="0">
-              <a:spcBef>
-                <a:spcPts val="0"/>
-              </a:spcBef>
-              <a:spcAft>
-                <a:spcPts val="0"/>
-              </a:spcAft>
-              <a:buNone/>
-            </a:pPr>
-            <a:endParaRPr/>
-          </a:p>
-        </p:txBody>
-      </p:sp>
-    </p:spTree>
-  </p:cSld>
-  <p:clrMapOvr>
-    <a:masterClrMapping/>
-  </p:clrMapOvr>
-</p:notes>
-</file>
-
 <file path=ppt/notesSlides/notesSlide2.xml><?xml version="1.0" encoding="utf-8"?>
 <p:notes xmlns:a="http://schemas.openxmlformats.org/drawingml/2006/main" xmlns:r="http://schemas.openxmlformats.org/officeDocument/2006/relationships" xmlns:p="http://schemas.openxmlformats.org/presentationml/2006/main" showMasterSp="0" showMasterPhAnim="0">
   <p:cSld>
@@ -1443,6 +1341,214 @@
   <p:cSld>
     <p:spTree>
       <p:nvGrpSpPr>
+        <p:cNvPr id="1" name="Shape 122"/>
+        <p:cNvGrpSpPr/>
+        <p:nvPr/>
+      </p:nvGrpSpPr>
+      <p:grpSpPr>
+        <a:xfrm>
+          <a:off x="0" y="0"/>
+          <a:ext cx="0" cy="0"/>
+          <a:chOff x="0" y="0"/>
+          <a:chExt cx="0" cy="0"/>
+        </a:xfrm>
+      </p:grpSpPr>
+      <p:sp>
+        <p:nvSpPr>
+          <p:cNvPr id="123" name="Google Shape;123;g5a32bfd86c_0_24:notes"/>
+          <p:cNvSpPr>
+            <a:spLocks noGrp="1" noRot="1" noChangeAspect="1"/>
+          </p:cNvSpPr>
+          <p:nvPr>
+            <p:ph type="sldImg" idx="2"/>
+          </p:nvPr>
+        </p:nvSpPr>
+        <p:spPr>
+          <a:xfrm>
+            <a:off x="1143000" y="685800"/>
+            <a:ext cx="4572000" cy="3429000"/>
+          </a:xfrm>
+          <a:custGeom>
+            <a:avLst/>
+            <a:gdLst/>
+            <a:ahLst/>
+            <a:cxnLst/>
+            <a:rect l="l" t="t" r="r" b="b"/>
+            <a:pathLst>
+              <a:path w="120000" h="120000" extrusionOk="0">
+                <a:moveTo>
+                  <a:pt x="0" y="0"/>
+                </a:moveTo>
+                <a:lnTo>
+                  <a:pt x="120000" y="0"/>
+                </a:lnTo>
+                <a:lnTo>
+                  <a:pt x="120000" y="120000"/>
+                </a:lnTo>
+                <a:lnTo>
+                  <a:pt x="0" y="120000"/>
+                </a:lnTo>
+                <a:close/>
+              </a:path>
+            </a:pathLst>
+          </a:custGeom>
+        </p:spPr>
+      </p:sp>
+      <p:sp>
+        <p:nvSpPr>
+          <p:cNvPr id="124" name="Google Shape;124;g5a32bfd86c_0_24:notes"/>
+          <p:cNvSpPr txBox="1">
+            <a:spLocks noGrp="1"/>
+          </p:cNvSpPr>
+          <p:nvPr>
+            <p:ph type="body" idx="1"/>
+          </p:nvPr>
+        </p:nvSpPr>
+        <p:spPr>
+          <a:xfrm>
+            <a:off x="685800" y="4343400"/>
+            <a:ext cx="5486400" cy="4114800"/>
+          </a:xfrm>
+          <a:prstGeom prst="rect">
+            <a:avLst/>
+          </a:prstGeom>
+        </p:spPr>
+        <p:txBody>
+          <a:bodyPr spcFirstLastPara="1" wrap="square" lIns="91425" tIns="91425" rIns="91425" bIns="91425" anchor="t" anchorCtr="0">
+            <a:noAutofit/>
+          </a:bodyPr>
+          <a:lstStyle/>
+          <a:p>
+            <a:pPr marL="0" lvl="0" indent="0" algn="l" rtl="0">
+              <a:spcBef>
+                <a:spcPts val="0"/>
+              </a:spcBef>
+              <a:spcAft>
+                <a:spcPts val="0"/>
+              </a:spcAft>
+              <a:buNone/>
+            </a:pPr>
+            <a:endParaRPr/>
+          </a:p>
+        </p:txBody>
+      </p:sp>
+    </p:spTree>
+  </p:cSld>
+  <p:clrMapOvr>
+    <a:masterClrMapping/>
+  </p:clrMapOvr>
+</p:notes>
+</file>
+
+<file path=ppt/notesSlides/notesSlide8.xml><?xml version="1.0" encoding="utf-8"?>
+<p:notes xmlns:a="http://schemas.openxmlformats.org/drawingml/2006/main" xmlns:r="http://schemas.openxmlformats.org/officeDocument/2006/relationships" xmlns:p="http://schemas.openxmlformats.org/presentationml/2006/main" showMasterSp="0" showMasterPhAnim="0">
+  <p:cSld>
+    <p:spTree>
+      <p:nvGrpSpPr>
+        <p:cNvPr id="1" name="Shape 107"/>
+        <p:cNvGrpSpPr/>
+        <p:nvPr/>
+      </p:nvGrpSpPr>
+      <p:grpSpPr>
+        <a:xfrm>
+          <a:off x="0" y="0"/>
+          <a:ext cx="0" cy="0"/>
+          <a:chOff x="0" y="0"/>
+          <a:chExt cx="0" cy="0"/>
+        </a:xfrm>
+      </p:grpSpPr>
+      <p:sp>
+        <p:nvSpPr>
+          <p:cNvPr id="108" name="Google Shape;108;g5a32bfd86c_0_5:notes"/>
+          <p:cNvSpPr>
+            <a:spLocks noGrp="1" noRot="1" noChangeAspect="1"/>
+          </p:cNvSpPr>
+          <p:nvPr>
+            <p:ph type="sldImg" idx="2"/>
+          </p:nvPr>
+        </p:nvSpPr>
+        <p:spPr>
+          <a:xfrm>
+            <a:off x="1143000" y="685800"/>
+            <a:ext cx="4572000" cy="3429000"/>
+          </a:xfrm>
+          <a:custGeom>
+            <a:avLst/>
+            <a:gdLst/>
+            <a:ahLst/>
+            <a:cxnLst/>
+            <a:rect l="l" t="t" r="r" b="b"/>
+            <a:pathLst>
+              <a:path w="120000" h="120000" extrusionOk="0">
+                <a:moveTo>
+                  <a:pt x="0" y="0"/>
+                </a:moveTo>
+                <a:lnTo>
+                  <a:pt x="120000" y="0"/>
+                </a:lnTo>
+                <a:lnTo>
+                  <a:pt x="120000" y="120000"/>
+                </a:lnTo>
+                <a:lnTo>
+                  <a:pt x="0" y="120000"/>
+                </a:lnTo>
+                <a:close/>
+              </a:path>
+            </a:pathLst>
+          </a:custGeom>
+        </p:spPr>
+      </p:sp>
+      <p:sp>
+        <p:nvSpPr>
+          <p:cNvPr id="109" name="Google Shape;109;g5a32bfd86c_0_5:notes"/>
+          <p:cNvSpPr txBox="1">
+            <a:spLocks noGrp="1"/>
+          </p:cNvSpPr>
+          <p:nvPr>
+            <p:ph type="body" idx="1"/>
+          </p:nvPr>
+        </p:nvSpPr>
+        <p:spPr>
+          <a:xfrm>
+            <a:off x="685800" y="4343400"/>
+            <a:ext cx="5486400" cy="4114800"/>
+          </a:xfrm>
+          <a:prstGeom prst="rect">
+            <a:avLst/>
+          </a:prstGeom>
+        </p:spPr>
+        <p:txBody>
+          <a:bodyPr spcFirstLastPara="1" wrap="square" lIns="91425" tIns="91425" rIns="91425" bIns="91425" anchor="t" anchorCtr="0">
+            <a:noAutofit/>
+          </a:bodyPr>
+          <a:lstStyle/>
+          <a:p>
+            <a:pPr marL="0" lvl="0" indent="0" algn="l" rtl="0">
+              <a:spcBef>
+                <a:spcPts val="0"/>
+              </a:spcBef>
+              <a:spcAft>
+                <a:spcPts val="0"/>
+              </a:spcAft>
+              <a:buNone/>
+            </a:pPr>
+            <a:endParaRPr/>
+          </a:p>
+        </p:txBody>
+      </p:sp>
+    </p:spTree>
+  </p:cSld>
+  <p:clrMapOvr>
+    <a:masterClrMapping/>
+  </p:clrMapOvr>
+</p:notes>
+</file>
+
+<file path=ppt/notesSlides/notesSlide9.xml><?xml version="1.0" encoding="utf-8"?>
+<p:notes xmlns:a="http://schemas.openxmlformats.org/drawingml/2006/main" xmlns:r="http://schemas.openxmlformats.org/officeDocument/2006/relationships" xmlns:p="http://schemas.openxmlformats.org/presentationml/2006/main" showMasterSp="0" showMasterPhAnim="0">
+  <p:cSld>
+    <p:spTree>
+      <p:nvGrpSpPr>
         <p:cNvPr id="1" name="Shape 100"/>
         <p:cNvGrpSpPr/>
         <p:nvPr/>
@@ -1499,214 +1605,6 @@
       <p:sp>
         <p:nvSpPr>
           <p:cNvPr id="102" name="Google Shape;102;g5a32bfd86c_0_15:notes"/>
-          <p:cNvSpPr txBox="1">
-            <a:spLocks noGrp="1"/>
-          </p:cNvSpPr>
-          <p:nvPr>
-            <p:ph type="body" idx="1"/>
-          </p:nvPr>
-        </p:nvSpPr>
-        <p:spPr>
-          <a:xfrm>
-            <a:off x="685800" y="4343400"/>
-            <a:ext cx="5486400" cy="4114800"/>
-          </a:xfrm>
-          <a:prstGeom prst="rect">
-            <a:avLst/>
-          </a:prstGeom>
-        </p:spPr>
-        <p:txBody>
-          <a:bodyPr spcFirstLastPara="1" wrap="square" lIns="91425" tIns="91425" rIns="91425" bIns="91425" anchor="t" anchorCtr="0">
-            <a:noAutofit/>
-          </a:bodyPr>
-          <a:lstStyle/>
-          <a:p>
-            <a:pPr marL="0" lvl="0" indent="0" algn="l" rtl="0">
-              <a:spcBef>
-                <a:spcPts val="0"/>
-              </a:spcBef>
-              <a:spcAft>
-                <a:spcPts val="0"/>
-              </a:spcAft>
-              <a:buNone/>
-            </a:pPr>
-            <a:endParaRPr/>
-          </a:p>
-        </p:txBody>
-      </p:sp>
-    </p:spTree>
-  </p:cSld>
-  <p:clrMapOvr>
-    <a:masterClrMapping/>
-  </p:clrMapOvr>
-</p:notes>
-</file>
-
-<file path=ppt/notesSlides/notesSlide8.xml><?xml version="1.0" encoding="utf-8"?>
-<p:notes xmlns:a="http://schemas.openxmlformats.org/drawingml/2006/main" xmlns:r="http://schemas.openxmlformats.org/officeDocument/2006/relationships" xmlns:p="http://schemas.openxmlformats.org/presentationml/2006/main" showMasterSp="0" showMasterPhAnim="0">
-  <p:cSld>
-    <p:spTree>
-      <p:nvGrpSpPr>
-        <p:cNvPr id="1" name="Shape 116"/>
-        <p:cNvGrpSpPr/>
-        <p:nvPr/>
-      </p:nvGrpSpPr>
-      <p:grpSpPr>
-        <a:xfrm>
-          <a:off x="0" y="0"/>
-          <a:ext cx="0" cy="0"/>
-          <a:chOff x="0" y="0"/>
-          <a:chExt cx="0" cy="0"/>
-        </a:xfrm>
-      </p:grpSpPr>
-      <p:sp>
-        <p:nvSpPr>
-          <p:cNvPr id="117" name="Google Shape;117;g77670eeeea_0_15:notes"/>
-          <p:cNvSpPr>
-            <a:spLocks noGrp="1" noRot="1" noChangeAspect="1"/>
-          </p:cNvSpPr>
-          <p:nvPr>
-            <p:ph type="sldImg" idx="2"/>
-          </p:nvPr>
-        </p:nvSpPr>
-        <p:spPr>
-          <a:xfrm>
-            <a:off x="1143000" y="685800"/>
-            <a:ext cx="4572000" cy="3429000"/>
-          </a:xfrm>
-          <a:custGeom>
-            <a:avLst/>
-            <a:gdLst/>
-            <a:ahLst/>
-            <a:cxnLst/>
-            <a:rect l="l" t="t" r="r" b="b"/>
-            <a:pathLst>
-              <a:path w="120000" h="120000" extrusionOk="0">
-                <a:moveTo>
-                  <a:pt x="0" y="0"/>
-                </a:moveTo>
-                <a:lnTo>
-                  <a:pt x="120000" y="0"/>
-                </a:lnTo>
-                <a:lnTo>
-                  <a:pt x="120000" y="120000"/>
-                </a:lnTo>
-                <a:lnTo>
-                  <a:pt x="0" y="120000"/>
-                </a:lnTo>
-                <a:close/>
-              </a:path>
-            </a:pathLst>
-          </a:custGeom>
-        </p:spPr>
-      </p:sp>
-      <p:sp>
-        <p:nvSpPr>
-          <p:cNvPr id="118" name="Google Shape;118;g77670eeeea_0_15:notes"/>
-          <p:cNvSpPr txBox="1">
-            <a:spLocks noGrp="1"/>
-          </p:cNvSpPr>
-          <p:nvPr>
-            <p:ph type="body" idx="1"/>
-          </p:nvPr>
-        </p:nvSpPr>
-        <p:spPr>
-          <a:xfrm>
-            <a:off x="685800" y="4343400"/>
-            <a:ext cx="5486400" cy="4114800"/>
-          </a:xfrm>
-          <a:prstGeom prst="rect">
-            <a:avLst/>
-          </a:prstGeom>
-        </p:spPr>
-        <p:txBody>
-          <a:bodyPr spcFirstLastPara="1" wrap="square" lIns="91425" tIns="91425" rIns="91425" bIns="91425" anchor="t" anchorCtr="0">
-            <a:noAutofit/>
-          </a:bodyPr>
-          <a:lstStyle/>
-          <a:p>
-            <a:pPr marL="0" lvl="0" indent="0" algn="l" rtl="0">
-              <a:spcBef>
-                <a:spcPts val="0"/>
-              </a:spcBef>
-              <a:spcAft>
-                <a:spcPts val="0"/>
-              </a:spcAft>
-              <a:buNone/>
-            </a:pPr>
-            <a:endParaRPr/>
-          </a:p>
-        </p:txBody>
-      </p:sp>
-    </p:spTree>
-  </p:cSld>
-  <p:clrMapOvr>
-    <a:masterClrMapping/>
-  </p:clrMapOvr>
-</p:notes>
-</file>
-
-<file path=ppt/notesSlides/notesSlide9.xml><?xml version="1.0" encoding="utf-8"?>
-<p:notes xmlns:a="http://schemas.openxmlformats.org/drawingml/2006/main" xmlns:r="http://schemas.openxmlformats.org/officeDocument/2006/relationships" xmlns:p="http://schemas.openxmlformats.org/presentationml/2006/main" showMasterSp="0" showMasterPhAnim="0">
-  <p:cSld>
-    <p:spTree>
-      <p:nvGrpSpPr>
-        <p:cNvPr id="1" name="Shape 122"/>
-        <p:cNvGrpSpPr/>
-        <p:nvPr/>
-      </p:nvGrpSpPr>
-      <p:grpSpPr>
-        <a:xfrm>
-          <a:off x="0" y="0"/>
-          <a:ext cx="0" cy="0"/>
-          <a:chOff x="0" y="0"/>
-          <a:chExt cx="0" cy="0"/>
-        </a:xfrm>
-      </p:grpSpPr>
-      <p:sp>
-        <p:nvSpPr>
-          <p:cNvPr id="123" name="Google Shape;123;g5a32bfd86c_0_24:notes"/>
-          <p:cNvSpPr>
-            <a:spLocks noGrp="1" noRot="1" noChangeAspect="1"/>
-          </p:cNvSpPr>
-          <p:nvPr>
-            <p:ph type="sldImg" idx="2"/>
-          </p:nvPr>
-        </p:nvSpPr>
-        <p:spPr>
-          <a:xfrm>
-            <a:off x="1143000" y="685800"/>
-            <a:ext cx="4572000" cy="3429000"/>
-          </a:xfrm>
-          <a:custGeom>
-            <a:avLst/>
-            <a:gdLst/>
-            <a:ahLst/>
-            <a:cxnLst/>
-            <a:rect l="l" t="t" r="r" b="b"/>
-            <a:pathLst>
-              <a:path w="120000" h="120000" extrusionOk="0">
-                <a:moveTo>
-                  <a:pt x="0" y="0"/>
-                </a:moveTo>
-                <a:lnTo>
-                  <a:pt x="120000" y="0"/>
-                </a:lnTo>
-                <a:lnTo>
-                  <a:pt x="120000" y="120000"/>
-                </a:lnTo>
-                <a:lnTo>
-                  <a:pt x="0" y="120000"/>
-                </a:lnTo>
-                <a:close/>
-              </a:path>
-            </a:pathLst>
-          </a:custGeom>
-        </p:spPr>
-      </p:sp>
-      <p:sp>
-        <p:nvSpPr>
-          <p:cNvPr id="124" name="Google Shape;124;g5a32bfd86c_0_24:notes"/>
           <p:cNvSpPr txBox="1">
             <a:spLocks noGrp="1"/>
           </p:cNvSpPr>
@@ -7098,6 +6996,506 @@
 </p:sld>
 </file>
 
+<file path=ppt/slides/slide11.xml><?xml version="1.0" encoding="utf-8"?>
+<p:sld xmlns:a="http://schemas.openxmlformats.org/drawingml/2006/main" xmlns:r="http://schemas.openxmlformats.org/officeDocument/2006/relationships" xmlns:p="http://schemas.openxmlformats.org/presentationml/2006/main">
+  <p:cSld>
+    <p:spTree>
+      <p:nvGrpSpPr>
+        <p:cNvPr id="1" name=""/>
+        <p:cNvGrpSpPr/>
+        <p:nvPr/>
+      </p:nvGrpSpPr>
+      <p:grpSpPr>
+        <a:xfrm>
+          <a:off x="0" y="0"/>
+          <a:ext cx="0" cy="0"/>
+          <a:chOff x="0" y="0"/>
+          <a:chExt cx="0" cy="0"/>
+        </a:xfrm>
+      </p:grpSpPr>
+      <p:sp>
+        <p:nvSpPr>
+          <p:cNvPr id="5" name="Заголовок 4"/>
+          <p:cNvSpPr>
+            <a:spLocks noGrp="1"/>
+          </p:cNvSpPr>
+          <p:nvPr>
+            <p:ph type="title"/>
+          </p:nvPr>
+        </p:nvSpPr>
+        <p:spPr/>
+        <p:txBody>
+          <a:bodyPr/>
+          <a:lstStyle/>
+          <a:p>
+            <a:r>
+              <a:rPr lang="ru-RU" dirty="0" smtClean="0"/>
+              <a:t>Дополнительные слайды</a:t>
+            </a:r>
+            <a:endParaRPr lang="ru-RU" dirty="0"/>
+          </a:p>
+        </p:txBody>
+      </p:sp>
+      <p:sp>
+        <p:nvSpPr>
+          <p:cNvPr id="4" name="Номер слайда 3"/>
+          <p:cNvSpPr>
+            <a:spLocks noGrp="1"/>
+          </p:cNvSpPr>
+          <p:nvPr>
+            <p:ph type="sldNum" idx="12"/>
+          </p:nvPr>
+        </p:nvSpPr>
+        <p:spPr/>
+        <p:txBody>
+          <a:bodyPr/>
+          <a:lstStyle/>
+          <a:p>
+            <a:pPr marL="0" lvl="0" indent="0" algn="r" rtl="0">
+              <a:spcBef>
+                <a:spcPts val="0"/>
+              </a:spcBef>
+              <a:spcAft>
+                <a:spcPts val="0"/>
+              </a:spcAft>
+              <a:buNone/>
+            </a:pPr>
+            <a:fld id="{00000000-1234-1234-1234-123412341234}" type="slidenum">
+              <a:rPr lang="en" smtClean="0"/>
+              <a:t>11</a:t>
+            </a:fld>
+            <a:endParaRPr lang="en"/>
+          </a:p>
+        </p:txBody>
+      </p:sp>
+    </p:spTree>
+    <p:extLst>
+      <p:ext uri="{BB962C8B-B14F-4D97-AF65-F5344CB8AC3E}">
+        <p14:creationId xmlns:p14="http://schemas.microsoft.com/office/powerpoint/2010/main" val="2740636341"/>
+      </p:ext>
+    </p:extLst>
+  </p:cSld>
+  <p:clrMapOvr>
+    <a:masterClrMapping/>
+  </p:clrMapOvr>
+</p:sld>
+</file>
+
+<file path=ppt/slides/slide12.xml><?xml version="1.0" encoding="utf-8"?>
+<p:sld xmlns:a="http://schemas.openxmlformats.org/drawingml/2006/main" xmlns:r="http://schemas.openxmlformats.org/officeDocument/2006/relationships" xmlns:p="http://schemas.openxmlformats.org/presentationml/2006/main">
+  <p:cSld>
+    <p:spTree>
+      <p:nvGrpSpPr>
+        <p:cNvPr id="1" name="Shape 103"/>
+        <p:cNvGrpSpPr/>
+        <p:nvPr/>
+      </p:nvGrpSpPr>
+      <p:grpSpPr>
+        <a:xfrm>
+          <a:off x="0" y="0"/>
+          <a:ext cx="0" cy="0"/>
+          <a:chOff x="0" y="0"/>
+          <a:chExt cx="0" cy="0"/>
+        </a:xfrm>
+      </p:grpSpPr>
+      <p:sp>
+        <p:nvSpPr>
+          <p:cNvPr id="104" name="Google Shape;104;p19"/>
+          <p:cNvSpPr txBox="1">
+            <a:spLocks noGrp="1"/>
+          </p:cNvSpPr>
+          <p:nvPr>
+            <p:ph type="title"/>
+          </p:nvPr>
+        </p:nvSpPr>
+        <p:spPr>
+          <a:prstGeom prst="rect">
+            <a:avLst/>
+          </a:prstGeom>
+        </p:spPr>
+        <p:txBody>
+          <a:bodyPr spcFirstLastPara="1" wrap="square" lIns="91425" tIns="91425" rIns="91425" bIns="91425" anchor="t" anchorCtr="0">
+            <a:noAutofit/>
+          </a:bodyPr>
+          <a:lstStyle/>
+          <a:p>
+            <a:pPr marL="0" lvl="0" indent="0" algn="l" rtl="0">
+              <a:spcBef>
+                <a:spcPts val="0"/>
+              </a:spcBef>
+              <a:spcAft>
+                <a:spcPts val="0"/>
+              </a:spcAft>
+              <a:buNone/>
+            </a:pPr>
+            <a:r>
+              <a:rPr lang="ru-RU" dirty="0" smtClean="0"/>
+              <a:t>Характеристики ПК</a:t>
+            </a:r>
+            <a:endParaRPr dirty="0"/>
+          </a:p>
+        </p:txBody>
+      </p:sp>
+      <p:sp>
+        <p:nvSpPr>
+          <p:cNvPr id="2" name="Текст 1">
+            <a:extLst>
+              <a:ext uri="{FF2B5EF4-FFF2-40B4-BE49-F238E27FC236}">
+                <a16:creationId xmlns:a16="http://schemas.microsoft.com/office/drawing/2014/main" id="{5A4230D3-776C-482F-81D6-2DED2B899160}"/>
+              </a:ext>
+            </a:extLst>
+          </p:cNvPr>
+          <p:cNvSpPr>
+            <a:spLocks noGrp="1"/>
+          </p:cNvSpPr>
+          <p:nvPr>
+            <p:ph type="body" idx="1"/>
+          </p:nvPr>
+        </p:nvSpPr>
+        <p:spPr/>
+        <p:txBody>
+          <a:bodyPr/>
+          <a:lstStyle/>
+          <a:p>
+            <a:pPr marL="114300" indent="0">
+              <a:lnSpc>
+                <a:spcPct val="150000"/>
+              </a:lnSpc>
+              <a:buNone/>
+            </a:pPr>
+            <a:r>
+              <a:rPr lang="ru-RU" sz="2000" b="1" dirty="0">
+                <a:solidFill>
+                  <a:schemeClr val="tx1"/>
+                </a:solidFill>
+              </a:rPr>
+              <a:t>Основные характеристики ПК</a:t>
+            </a:r>
+            <a:r>
+              <a:rPr lang="en-US" sz="2000" b="1" dirty="0">
+                <a:solidFill>
+                  <a:schemeClr val="tx1"/>
+                </a:solidFill>
+              </a:rPr>
+              <a:t>:</a:t>
+            </a:r>
+          </a:p>
+          <a:p>
+            <a:pPr>
+              <a:lnSpc>
+                <a:spcPct val="150000"/>
+              </a:lnSpc>
+            </a:pPr>
+            <a:r>
+              <a:rPr lang="ru-RU" sz="2000" dirty="0" smtClean="0">
+                <a:solidFill>
+                  <a:schemeClr val="tx1"/>
+                </a:solidFill>
+              </a:rPr>
+              <a:t>Процессор:</a:t>
+            </a:r>
+            <a:r>
+              <a:rPr lang="en-US" sz="2000" dirty="0" smtClean="0">
+                <a:solidFill>
+                  <a:schemeClr val="tx1"/>
+                </a:solidFill>
+              </a:rPr>
+              <a:t> i5-12400F (</a:t>
+            </a:r>
+            <a:r>
+              <a:rPr lang="ru-RU" sz="2000" dirty="0" smtClean="0">
+                <a:solidFill>
+                  <a:schemeClr val="tx1"/>
+                </a:solidFill>
+              </a:rPr>
+              <a:t>12 ядер, 2.5 ГГц</a:t>
+            </a:r>
+            <a:r>
+              <a:rPr lang="en-US" sz="2000" dirty="0" smtClean="0">
+                <a:solidFill>
+                  <a:schemeClr val="tx1"/>
+                </a:solidFill>
+              </a:rPr>
+              <a:t>)</a:t>
+            </a:r>
+            <a:r>
+              <a:rPr lang="ru-RU" sz="2000" dirty="0" smtClean="0">
+                <a:solidFill>
+                  <a:schemeClr val="tx1"/>
+                </a:solidFill>
+              </a:rPr>
+              <a:t>;</a:t>
+            </a:r>
+            <a:endParaRPr lang="en-US" sz="2000" dirty="0">
+              <a:solidFill>
+                <a:schemeClr val="tx1"/>
+              </a:solidFill>
+            </a:endParaRPr>
+          </a:p>
+          <a:p>
+            <a:pPr>
+              <a:lnSpc>
+                <a:spcPct val="150000"/>
+              </a:lnSpc>
+            </a:pPr>
+            <a:r>
+              <a:rPr lang="ru-RU" sz="2000" dirty="0" smtClean="0">
+                <a:solidFill>
+                  <a:schemeClr val="tx1"/>
+                </a:solidFill>
+              </a:rPr>
+              <a:t>Оперативная память: </a:t>
+            </a:r>
+            <a:r>
+              <a:rPr lang="en-US" sz="2000" dirty="0" smtClean="0">
+                <a:solidFill>
+                  <a:schemeClr val="tx1"/>
+                </a:solidFill>
+              </a:rPr>
+              <a:t>DDR4 </a:t>
+            </a:r>
+            <a:r>
+              <a:rPr lang="ru-RU" sz="2000" dirty="0" smtClean="0">
+                <a:solidFill>
+                  <a:schemeClr val="tx1"/>
+                </a:solidFill>
+              </a:rPr>
+              <a:t>32 ГБ</a:t>
+            </a:r>
+            <a:r>
+              <a:rPr lang="en-US" sz="2000" dirty="0" smtClean="0">
+                <a:solidFill>
+                  <a:schemeClr val="tx1"/>
+                </a:solidFill>
+              </a:rPr>
+              <a:t>, 3200 </a:t>
+            </a:r>
+            <a:r>
+              <a:rPr lang="ru-RU" sz="2000" dirty="0" smtClean="0">
+                <a:solidFill>
+                  <a:schemeClr val="tx1"/>
+                </a:solidFill>
+              </a:rPr>
+              <a:t>МГц</a:t>
+            </a:r>
+            <a:r>
+              <a:rPr lang="en-US" sz="2000" dirty="0" smtClean="0">
+                <a:solidFill>
+                  <a:schemeClr val="tx1"/>
+                </a:solidFill>
+              </a:rPr>
+              <a:t>;</a:t>
+            </a:r>
+            <a:endParaRPr lang="ru-RU" sz="2000" dirty="0">
+              <a:solidFill>
+                <a:schemeClr val="tx1"/>
+              </a:solidFill>
+            </a:endParaRPr>
+          </a:p>
+          <a:p>
+            <a:pPr>
+              <a:lnSpc>
+                <a:spcPct val="150000"/>
+              </a:lnSpc>
+            </a:pPr>
+            <a:r>
+              <a:rPr lang="ru-RU" sz="2000" dirty="0" smtClean="0">
+                <a:solidFill>
+                  <a:schemeClr val="tx1"/>
+                </a:solidFill>
+              </a:rPr>
+              <a:t>Видеокарта: </a:t>
+            </a:r>
+            <a:r>
+              <a:rPr lang="en-US" sz="2000" dirty="0" err="1" smtClean="0">
+                <a:solidFill>
+                  <a:schemeClr val="tx1"/>
+                </a:solidFill>
+              </a:rPr>
+              <a:t>Quadro</a:t>
+            </a:r>
+            <a:r>
+              <a:rPr lang="en-US" sz="2000" dirty="0" smtClean="0">
+                <a:solidFill>
+                  <a:schemeClr val="tx1"/>
+                </a:solidFill>
+              </a:rPr>
+              <a:t> P620 (GDDR5, 2 </a:t>
+            </a:r>
+            <a:r>
+              <a:rPr lang="ru-RU" sz="2000" dirty="0" smtClean="0">
+                <a:solidFill>
+                  <a:schemeClr val="tx1"/>
+                </a:solidFill>
+              </a:rPr>
+              <a:t>ГБ</a:t>
+            </a:r>
+            <a:r>
+              <a:rPr lang="en-US" sz="2000" dirty="0" smtClean="0">
+                <a:solidFill>
+                  <a:schemeClr val="tx1"/>
+                </a:solidFill>
+              </a:rPr>
+              <a:t>)</a:t>
+            </a:r>
+            <a:r>
+              <a:rPr lang="ru-RU" sz="2000" dirty="0" smtClean="0">
+                <a:solidFill>
+                  <a:schemeClr val="tx1"/>
+                </a:solidFill>
+              </a:rPr>
+              <a:t>;</a:t>
+            </a:r>
+            <a:endParaRPr lang="ru-RU" sz="2000" dirty="0">
+              <a:solidFill>
+                <a:schemeClr val="tx1"/>
+              </a:solidFill>
+            </a:endParaRPr>
+          </a:p>
+          <a:p>
+            <a:pPr>
+              <a:lnSpc>
+                <a:spcPct val="150000"/>
+              </a:lnSpc>
+            </a:pPr>
+            <a:r>
+              <a:rPr lang="ru-RU" sz="2000" dirty="0" smtClean="0">
+                <a:solidFill>
+                  <a:schemeClr val="tx1"/>
+                </a:solidFill>
+              </a:rPr>
+              <a:t>Накопитель: </a:t>
+            </a:r>
+            <a:r>
+              <a:rPr lang="en-US" sz="2000" dirty="0" smtClean="0">
+                <a:solidFill>
+                  <a:schemeClr val="tx1"/>
+                </a:solidFill>
+              </a:rPr>
+              <a:t>INTEL SSDPEKNW 512</a:t>
+            </a:r>
+            <a:r>
+              <a:rPr lang="ru-RU" sz="2000" dirty="0" smtClean="0">
+                <a:solidFill>
+                  <a:schemeClr val="tx1"/>
+                </a:solidFill>
+              </a:rPr>
+              <a:t> ГБ;</a:t>
+            </a:r>
+            <a:endParaRPr lang="ru-RU" sz="2000" dirty="0">
+              <a:solidFill>
+                <a:schemeClr val="tx1"/>
+              </a:solidFill>
+            </a:endParaRPr>
+          </a:p>
+          <a:p>
+            <a:pPr>
+              <a:lnSpc>
+                <a:spcPct val="150000"/>
+              </a:lnSpc>
+            </a:pPr>
+            <a:r>
+              <a:rPr lang="ru-RU" sz="2000" dirty="0">
+                <a:solidFill>
+                  <a:schemeClr val="tx1"/>
+                </a:solidFill>
+              </a:rPr>
+              <a:t>Операционная система: </a:t>
+            </a:r>
+            <a:r>
+              <a:rPr lang="ru-RU" sz="2000" dirty="0" err="1">
+                <a:solidFill>
+                  <a:schemeClr val="tx1"/>
+                </a:solidFill>
+              </a:rPr>
+              <a:t>Windows</a:t>
+            </a:r>
+            <a:r>
+              <a:rPr lang="ru-RU" sz="2000" dirty="0">
+                <a:solidFill>
+                  <a:schemeClr val="tx1"/>
+                </a:solidFill>
+              </a:rPr>
+              <a:t> 10 </a:t>
+            </a:r>
+            <a:r>
+              <a:rPr lang="ru-RU" sz="2000" dirty="0" err="1">
+                <a:solidFill>
+                  <a:schemeClr val="tx1"/>
+                </a:solidFill>
+              </a:rPr>
+              <a:t>Pro</a:t>
+            </a:r>
+            <a:r>
+              <a:rPr lang="ru-RU" sz="2000" dirty="0">
+                <a:solidFill>
+                  <a:schemeClr val="tx1"/>
+                </a:solidFill>
+              </a:rPr>
+              <a:t> </a:t>
+            </a:r>
+            <a:r>
+              <a:rPr lang="ru-RU" sz="2000" dirty="0" smtClean="0">
+                <a:solidFill>
+                  <a:schemeClr val="tx1"/>
+                </a:solidFill>
+              </a:rPr>
+              <a:t>64-bit (сборка 19044)</a:t>
+            </a:r>
+            <a:endParaRPr lang="ru-RU" sz="2000" dirty="0">
+              <a:solidFill>
+                <a:schemeClr val="tx1"/>
+              </a:solidFill>
+            </a:endParaRPr>
+          </a:p>
+        </p:txBody>
+      </p:sp>
+      <p:sp>
+        <p:nvSpPr>
+          <p:cNvPr id="106" name="Google Shape;106;p19"/>
+          <p:cNvSpPr txBox="1">
+            <a:spLocks noGrp="1"/>
+          </p:cNvSpPr>
+          <p:nvPr>
+            <p:ph type="sldNum" idx="12"/>
+          </p:nvPr>
+        </p:nvSpPr>
+        <p:spPr>
+          <a:prstGeom prst="rect">
+            <a:avLst/>
+          </a:prstGeom>
+        </p:spPr>
+        <p:txBody>
+          <a:bodyPr spcFirstLastPara="1" wrap="square" lIns="91425" tIns="91425" rIns="91425" bIns="91425" anchor="ctr" anchorCtr="0">
+            <a:noAutofit/>
+          </a:bodyPr>
+          <a:lstStyle/>
+          <a:p>
+            <a:pPr marL="0" lvl="0" indent="0" algn="r" rtl="0">
+              <a:spcBef>
+                <a:spcPts val="0"/>
+              </a:spcBef>
+              <a:spcAft>
+                <a:spcPts val="0"/>
+              </a:spcAft>
+              <a:buNone/>
+            </a:pPr>
+            <a:fld id="{00000000-1234-1234-1234-123412341234}" type="slidenum">
+              <a:rPr lang="en"/>
+              <a:t>12</a:t>
+            </a:fld>
+            <a:endParaRPr/>
+          </a:p>
+        </p:txBody>
+      </p:sp>
+    </p:spTree>
+  </p:cSld>
+  <p:clrMapOvr>
+    <a:masterClrMapping/>
+  </p:clrMapOvr>
+</p:sld>
+</file>
+
 <file path=ppt/slides/slide2.xml><?xml version="1.0" encoding="utf-8"?>
 <p:sld xmlns:a="http://schemas.openxmlformats.org/drawingml/2006/main" xmlns:r="http://schemas.openxmlformats.org/officeDocument/2006/relationships" xmlns:p="http://schemas.openxmlformats.org/presentationml/2006/main">
   <p:cSld>
@@ -7182,20 +7580,14 @@
           </a:bodyPr>
           <a:lstStyle/>
           <a:p>
-            <a:pPr marL="0" lvl="0" indent="0" algn="l" rtl="0">
+            <a:pPr marL="0" lvl="0" indent="0">
               <a:lnSpc>
                 <a:spcPct val="100000"/>
               </a:lnSpc>
-              <a:spcBef>
-                <a:spcPts val="0"/>
-              </a:spcBef>
-              <a:spcAft>
-                <a:spcPts val="0"/>
-              </a:spcAft>
               <a:buNone/>
             </a:pPr>
             <a:r>
-              <a:rPr lang="en" sz="2000" b="1" dirty="0">
+              <a:rPr lang="en" sz="2000" b="1" dirty="0" smtClean="0">
                 <a:solidFill>
                   <a:srgbClr val="000000"/>
                 </a:solidFill>
@@ -7203,7 +7595,7 @@
               <a:t>Актуальность</a:t>
             </a:r>
             <a:r>
-              <a:rPr lang="en" sz="2000" dirty="0">
+              <a:rPr lang="en" sz="2000" dirty="0" smtClean="0">
                 <a:solidFill>
                   <a:srgbClr val="000000"/>
                 </a:solidFill>
@@ -7216,7 +7608,7 @@
                   <a:srgbClr val="000000"/>
                 </a:solidFill>
               </a:rPr>
-              <a:t>В настоящее время в областях морской сейсморазведки и гидроакустики активно используются системы с </a:t>
+              <a:t>С включением датчиков системы ориентации в современные </a:t>
             </a:r>
             <a:r>
               <a:rPr lang="ru-RU" sz="2000" dirty="0" smtClean="0">
@@ -7224,7 +7616,7 @@
                   <a:srgbClr val="000000"/>
                 </a:solidFill>
               </a:rPr>
-              <a:t>гибкими протяженными </a:t>
+              <a:t>ГПБА появилась </a:t>
             </a:r>
             <a:r>
               <a:rPr lang="ru-RU" sz="2000" dirty="0">
@@ -7232,7 +7624,7 @@
                   <a:srgbClr val="000000"/>
                 </a:solidFill>
               </a:rPr>
-              <a:t>буксируемыми </a:t>
+              <a:t>возможность получать информацию о текущей форме антенны </a:t>
             </a:r>
             <a:r>
               <a:rPr lang="ru-RU" sz="2000" dirty="0" smtClean="0">
@@ -7240,7 +7632,15 @@
                   <a:srgbClr val="000000"/>
                 </a:solidFill>
               </a:rPr>
-              <a:t>антеннами, в составе которых находятся датчики системы ориентации. </a:t>
+              <a:t>в реальном </a:t>
+            </a:r>
+            <a:r>
+              <a:rPr lang="ru-RU" sz="2000" dirty="0">
+                <a:solidFill>
+                  <a:srgbClr val="000000"/>
+                </a:solidFill>
+              </a:rPr>
+              <a:t>времени и учитывать её в дальнейшей обработке. Датчики </a:t>
             </a:r>
             <a:r>
               <a:rPr lang="ru-RU" sz="2000" dirty="0" smtClean="0">
@@ -7248,7 +7648,15 @@
                   <a:srgbClr val="000000"/>
                 </a:solidFill>
               </a:rPr>
-              <a:t>Н</a:t>
+              <a:t>системы ориентации </a:t>
+            </a:r>
+            <a:r>
+              <a:rPr lang="ru-RU" sz="2000" dirty="0">
+                <a:solidFill>
+                  <a:srgbClr val="000000"/>
+                </a:solidFill>
+              </a:rPr>
+              <a:t>позволяют получить свои координаты в пространстве, но в </a:t>
             </a:r>
             <a:r>
               <a:rPr lang="ru-RU" sz="2000" dirty="0" smtClean="0">
@@ -7256,7 +7664,7 @@
                   <a:srgbClr val="000000"/>
                 </a:solidFill>
               </a:rPr>
-              <a:t>едостатком </a:t>
+              <a:t>практических </a:t>
             </a:r>
             <a:r>
               <a:rPr lang="ru-RU" sz="2000" dirty="0">
@@ -7264,23 +7672,7 @@
                   <a:srgbClr val="000000"/>
                 </a:solidFill>
               </a:rPr>
-              <a:t>является то, что </a:t>
-            </a:r>
-            <a:r>
-              <a:rPr lang="ru-RU" sz="2000" dirty="0" smtClean="0">
-                <a:solidFill>
-                  <a:srgbClr val="000000"/>
-                </a:solidFill>
-              </a:rPr>
-              <a:t>таких датчиков </a:t>
-            </a:r>
-            <a:r>
-              <a:rPr lang="ru-RU" sz="2000" dirty="0" smtClean="0">
-                <a:solidFill>
-                  <a:srgbClr val="000000"/>
-                </a:solidFill>
-              </a:rPr>
-              <a:t>существенно меньше чем акустических. Задачу восстановления формы антенны, на основе известных точек, можно сформулировать как интерполяцию кривой в пространстве.</a:t>
+              <a:t>случаях этих датчиков значительно меньше, чем акустических.</a:t>
             </a:r>
           </a:p>
           <a:p>
@@ -7337,7 +7729,7 @@
                   <a:srgbClr val="000000"/>
                 </a:solidFill>
               </a:rPr>
-              <a:t>Разработка инструмента восстановления и визуализации формы гибкой </a:t>
+              <a:t>Разработка инструмента </a:t>
             </a:r>
             <a:r>
               <a:rPr lang="ru-RU" sz="2000" dirty="0" smtClean="0">
@@ -7345,7 +7737,7 @@
                   <a:srgbClr val="000000"/>
                 </a:solidFill>
               </a:rPr>
-              <a:t>антенны.</a:t>
+              <a:t>моделирования и визуализации формы гибкой антенны по данным датчиков системы ориентации.</a:t>
             </a:r>
             <a:endParaRPr lang="ru-RU" sz="2000" dirty="0">
               <a:solidFill>
@@ -7394,10 +7786,10 @@
                 <a:spcPct val="100000"/>
               </a:lnSpc>
               <a:spcBef>
-                <a:spcPts val="0"/>
-              </a:spcBef>
-              <a:spcAft>
-                <a:spcPts val="0"/>
+                <a:spcPts val="200"/>
+              </a:spcBef>
+              <a:spcAft>
+                <a:spcPts val="600"/>
               </a:spcAft>
               <a:buClr>
                 <a:srgbClr val="000000"/>
@@ -7433,10 +7825,10 @@
                 <a:spcPct val="100000"/>
               </a:lnSpc>
               <a:spcBef>
-                <a:spcPts val="0"/>
-              </a:spcBef>
-              <a:spcAft>
-                <a:spcPts val="0"/>
+                <a:spcPts val="200"/>
+              </a:spcBef>
+              <a:spcAft>
+                <a:spcPts val="600"/>
               </a:spcAft>
               <a:buClr>
                 <a:srgbClr val="000000"/>
@@ -7472,10 +7864,10 @@
                 <a:spcPct val="100000"/>
               </a:lnSpc>
               <a:spcBef>
-                <a:spcPts val="0"/>
-              </a:spcBef>
-              <a:spcAft>
-                <a:spcPts val="0"/>
+                <a:spcPts val="200"/>
+              </a:spcBef>
+              <a:spcAft>
+                <a:spcPts val="600"/>
               </a:spcAft>
               <a:buClr>
                 <a:srgbClr val="000000"/>
@@ -7612,13 +8004,18 @@
               <a:buSzPts val="2400"/>
             </a:pPr>
             <a:r>
-              <a:rPr lang="ru-RU" dirty="0">
+              <a:rPr lang="ru-RU" dirty="0" smtClean="0">
                 <a:solidFill>
                   <a:srgbClr val="000000"/>
                 </a:solidFill>
               </a:rPr>
-              <a:t>Обзор существующих методов восстановления</a:t>
-            </a:r>
+              <a:t>Схематичное представление гибкой антенны</a:t>
+            </a:r>
+            <a:endParaRPr lang="ru-RU" dirty="0">
+              <a:solidFill>
+                <a:srgbClr val="000000"/>
+              </a:solidFill>
+            </a:endParaRPr>
           </a:p>
         </p:txBody>
       </p:sp>
@@ -7773,8 +8170,8 @@
         </p:nvSpPr>
         <p:spPr>
           <a:xfrm>
-            <a:off x="311700" y="1530350"/>
-            <a:ext cx="8520600" cy="4807132"/>
+            <a:off x="311700" y="1356867"/>
+            <a:ext cx="8520600" cy="4980615"/>
           </a:xfrm>
           <a:prstGeom prst="rect">
             <a:avLst/>
@@ -7787,49 +8184,60 @@
           <a:lstStyle/>
           <a:p>
             <a:pPr marL="0" lvl="0" indent="0" algn="l" rtl="0">
-              <a:spcBef>
-                <a:spcPts val="0"/>
-              </a:spcBef>
-              <a:spcAft>
-                <a:spcPts val="1600"/>
-              </a:spcAft>
-              <a:buNone/>
-            </a:pPr>
-            <a:r>
-              <a:rPr lang="ru-RU" sz="2000" b="1" dirty="0">
-                <a:solidFill>
-                  <a:srgbClr val="000000"/>
-                </a:solidFill>
-              </a:rPr>
-              <a:t>Требования к разрабатываемому продукту</a:t>
-            </a:r>
-            <a:r>
-              <a:rPr lang="en-US" sz="2000" b="1" dirty="0">
-                <a:solidFill>
-                  <a:srgbClr val="000000"/>
-                </a:solidFill>
-              </a:rPr>
-              <a:t>:</a:t>
-            </a:r>
-          </a:p>
-          <a:p>
-            <a:pPr indent="-457200">
               <a:lnSpc>
                 <a:spcPct val="100000"/>
               </a:lnSpc>
+              <a:spcBef>
+                <a:spcPts val="0"/>
+              </a:spcBef>
               <a:spcAft>
                 <a:spcPts val="1600"/>
+              </a:spcAft>
+              <a:buNone/>
+            </a:pPr>
+            <a:r>
+              <a:rPr lang="ru-RU" sz="2000" b="1" dirty="0">
+                <a:solidFill>
+                  <a:srgbClr val="000000"/>
+                </a:solidFill>
+              </a:rPr>
+              <a:t>Требования к разрабатываемому продукту</a:t>
+            </a:r>
+            <a:r>
+              <a:rPr lang="en-US" sz="2000" b="1" dirty="0">
+                <a:solidFill>
+                  <a:srgbClr val="000000"/>
+                </a:solidFill>
+              </a:rPr>
+              <a:t>:</a:t>
+            </a:r>
+          </a:p>
+          <a:p>
+            <a:pPr indent="-381600">
+              <a:lnSpc>
+                <a:spcPct val="100000"/>
+              </a:lnSpc>
+              <a:spcAft>
+                <a:spcPts val="200"/>
               </a:spcAft>
               <a:buFont typeface="+mj-lt"/>
               <a:buAutoNum type="arabicPeriod"/>
             </a:pPr>
             <a:r>
+              <a:rPr lang="ru-RU" sz="2000" dirty="0" smtClean="0">
+                <a:solidFill>
+                  <a:srgbClr val="000000"/>
+                </a:solidFill>
+              </a:rPr>
+              <a:t>Продукт </a:t>
+            </a:r>
+            <a:r>
               <a:rPr lang="ru-RU" sz="2000" dirty="0">
                 <a:solidFill>
                   <a:srgbClr val="000000"/>
                 </a:solidFill>
               </a:rPr>
-              <a:t>Продукт должен включать один или несколько алгоритмов </a:t>
+              <a:t>должен включать один или несколько алгоритмов </a:t>
             </a:r>
             <a:r>
               <a:rPr lang="ru-RU" sz="2000" dirty="0" smtClean="0">
@@ -7846,12 +8254,12 @@
             </a:endParaRPr>
           </a:p>
           <a:p>
-            <a:pPr indent="-457200">
+            <a:pPr indent="-381600">
               <a:lnSpc>
                 <a:spcPct val="100000"/>
               </a:lnSpc>
               <a:spcAft>
-                <a:spcPts val="1600"/>
+                <a:spcPts val="200"/>
               </a:spcAft>
               <a:buFont typeface="+mj-lt"/>
               <a:buAutoNum type="arabicPeriod"/>
@@ -7862,23 +8270,7 @@
                   <a:srgbClr val="000000"/>
                 </a:solidFill>
               </a:rPr>
-              <a:t>Используемые методы восстановления должны </a:t>
-            </a:r>
-            <a:r>
-              <a:rPr lang="ru-RU" sz="2000" dirty="0" smtClean="0">
-                <a:solidFill>
-                  <a:srgbClr val="000000"/>
-                </a:solidFill>
-              </a:rPr>
-              <a:t>быть </a:t>
-            </a:r>
-            <a:r>
-              <a:rPr lang="ru-RU" sz="2000" dirty="0" smtClean="0">
-                <a:solidFill>
-                  <a:srgbClr val="000000"/>
-                </a:solidFill>
-              </a:rPr>
-              <a:t>реализованы </a:t>
+              <a:t>Используемые методы восстановления должны быть реализованы </a:t>
             </a:r>
             <a:r>
               <a:rPr lang="ru-RU" sz="2000" dirty="0">
@@ -7903,23 +8295,31 @@
             </a:endParaRPr>
           </a:p>
           <a:p>
-            <a:pPr indent="-457200">
+            <a:pPr indent="-381600">
               <a:lnSpc>
                 <a:spcPct val="100000"/>
               </a:lnSpc>
               <a:spcAft>
-                <a:spcPts val="1600"/>
+                <a:spcPts val="200"/>
               </a:spcAft>
               <a:buFont typeface="+mj-lt"/>
               <a:buAutoNum type="arabicPeriod"/>
             </a:pPr>
             <a:r>
+              <a:rPr lang="ru-RU" sz="2000" dirty="0" smtClean="0">
+                <a:solidFill>
+                  <a:srgbClr val="000000"/>
+                </a:solidFill>
+              </a:rPr>
+              <a:t>Программная </a:t>
+            </a:r>
+            <a:r>
               <a:rPr lang="ru-RU" sz="2000" dirty="0">
                 <a:solidFill>
                   <a:srgbClr val="000000"/>
                 </a:solidFill>
               </a:rPr>
-              <a:t>Программная система должна иметь возможность менять условия или параметры используемых алгоритмов интерполяции в зависимости от ситуации и предоставлять удобный пользовательский интерфейс</a:t>
+              <a:t>система должна </a:t>
             </a:r>
             <a:r>
               <a:rPr lang="ru-RU" sz="2000" dirty="0" smtClean="0">
@@ -7927,19 +8327,147 @@
                   <a:srgbClr val="000000"/>
                 </a:solidFill>
               </a:rPr>
-              <a:t>.</a:t>
-            </a:r>
-          </a:p>
-          <a:p>
-            <a:pPr marL="0" indent="0">
+              <a:t>предоставлять возможность моделировать восстановление с различными </a:t>
+            </a:r>
+            <a:r>
+              <a:rPr lang="ru-RU" sz="2000" dirty="0" smtClean="0">
+                <a:solidFill>
+                  <a:srgbClr val="000000"/>
+                </a:solidFill>
+              </a:rPr>
+              <a:t>параметрами антенны.</a:t>
+            </a:r>
+            <a:endParaRPr lang="ru-RU" sz="2000" dirty="0" smtClean="0">
+              <a:solidFill>
+                <a:srgbClr val="000000"/>
+              </a:solidFill>
+            </a:endParaRPr>
+          </a:p>
+          <a:p>
+            <a:pPr indent="-381600">
               <a:lnSpc>
                 <a:spcPct val="100000"/>
               </a:lnSpc>
               <a:spcAft>
-                <a:spcPts val="1600"/>
-              </a:spcAft>
-              <a:buNone/>
+                <a:spcPts val="200"/>
+              </a:spcAft>
+              <a:buFont typeface="+mj-lt"/>
+              <a:buAutoNum type="arabicPeriod"/>
             </a:pPr>
+            <a:r>
+              <a:rPr lang="ru-RU" sz="2000" dirty="0" smtClean="0">
+                <a:solidFill>
+                  <a:srgbClr val="000000"/>
+                </a:solidFill>
+              </a:rPr>
+              <a:t>Иметь удобный пользовательский интерфейс.</a:t>
+            </a:r>
+          </a:p>
+          <a:p>
+            <a:pPr indent="-381600">
+              <a:lnSpc>
+                <a:spcPct val="100000"/>
+              </a:lnSpc>
+              <a:spcAft>
+                <a:spcPts val="200"/>
+              </a:spcAft>
+              <a:buFont typeface="+mj-lt"/>
+              <a:buAutoNum type="arabicPeriod"/>
+            </a:pPr>
+            <a:endParaRPr lang="ru-RU" sz="2000" dirty="0">
+              <a:solidFill>
+                <a:srgbClr val="000000"/>
+              </a:solidFill>
+            </a:endParaRPr>
+          </a:p>
+          <a:p>
+            <a:pPr marL="75600" indent="0">
+              <a:lnSpc>
+                <a:spcPct val="100000"/>
+              </a:lnSpc>
+              <a:spcAft>
+                <a:spcPts val="200"/>
+              </a:spcAft>
+              <a:buNone/>
+            </a:pPr>
+            <a:r>
+              <a:rPr lang="ru-RU" sz="2000" b="1" dirty="0" smtClean="0">
+                <a:solidFill>
+                  <a:srgbClr val="000000"/>
+                </a:solidFill>
+              </a:rPr>
+              <a:t>Использованные инструменты разработки</a:t>
+            </a:r>
+            <a:r>
+              <a:rPr lang="en-US" sz="2000" b="1" dirty="0" smtClean="0">
+                <a:solidFill>
+                  <a:srgbClr val="000000"/>
+                </a:solidFill>
+              </a:rPr>
+              <a:t>:</a:t>
+            </a:r>
+          </a:p>
+          <a:p>
+            <a:pPr marL="418500">
+              <a:lnSpc>
+                <a:spcPct val="100000"/>
+              </a:lnSpc>
+              <a:spcAft>
+                <a:spcPts val="200"/>
+              </a:spcAft>
+            </a:pPr>
+            <a:r>
+              <a:rPr lang="en-US" sz="2000" dirty="0" smtClean="0">
+                <a:solidFill>
+                  <a:srgbClr val="000000"/>
+                </a:solidFill>
+              </a:rPr>
+              <a:t>C++ (v17)</a:t>
+            </a:r>
+          </a:p>
+          <a:p>
+            <a:pPr marL="418500">
+              <a:lnSpc>
+                <a:spcPct val="100000"/>
+              </a:lnSpc>
+              <a:spcAft>
+                <a:spcPts val="200"/>
+              </a:spcAft>
+            </a:pPr>
+            <a:r>
+              <a:rPr lang="en-US" sz="2000" dirty="0" smtClean="0">
+                <a:solidFill>
+                  <a:srgbClr val="000000"/>
+                </a:solidFill>
+              </a:rPr>
+              <a:t>Qt (v6.4.2)</a:t>
+            </a:r>
+          </a:p>
+          <a:p>
+            <a:pPr marL="418500">
+              <a:lnSpc>
+                <a:spcPct val="100000"/>
+              </a:lnSpc>
+              <a:spcAft>
+                <a:spcPts val="200"/>
+              </a:spcAft>
+            </a:pPr>
+            <a:r>
+              <a:rPr lang="en-US" sz="2000" dirty="0">
+                <a:solidFill>
+                  <a:srgbClr val="000000"/>
+                </a:solidFill>
+              </a:rPr>
+              <a:t>b</a:t>
+            </a:r>
+            <a:r>
+              <a:rPr lang="en-US" sz="2000" dirty="0" smtClean="0">
+                <a:solidFill>
+                  <a:srgbClr val="000000"/>
+                </a:solidFill>
+              </a:rPr>
+              <a:t>oost (v1.81)</a:t>
+            </a:r>
             <a:endParaRPr lang="ru-RU" sz="2000" dirty="0">
               <a:solidFill>
                 <a:srgbClr val="000000"/>
@@ -8189,55 +8717,10 @@
               <a:buNone/>
             </a:pPr>
             <a:r>
-              <a:rPr lang="ru-RU" dirty="0"/>
-              <a:t>Представление графического интерфейса</a:t>
+              <a:rPr lang="ru-RU" dirty="0" smtClean="0"/>
+              <a:t>Интерфейс приложения</a:t>
             </a:r>
             <a:endParaRPr dirty="0"/>
-          </a:p>
-        </p:txBody>
-      </p:sp>
-      <p:sp>
-        <p:nvSpPr>
-          <p:cNvPr id="94" name="Google Shape;94;p18"/>
-          <p:cNvSpPr txBox="1">
-            <a:spLocks noGrp="1"/>
-          </p:cNvSpPr>
-          <p:nvPr>
-            <p:ph type="body" idx="1"/>
-          </p:nvPr>
-        </p:nvSpPr>
-        <p:spPr>
-          <a:xfrm>
-            <a:off x="311700" y="5920551"/>
-            <a:ext cx="8520600" cy="524699"/>
-          </a:xfrm>
-          <a:prstGeom prst="rect">
-            <a:avLst/>
-          </a:prstGeom>
-        </p:spPr>
-        <p:txBody>
-          <a:bodyPr spcFirstLastPara="1" wrap="square" lIns="91425" tIns="91425" rIns="91425" bIns="91425" anchor="t" anchorCtr="0">
-            <a:noAutofit/>
-          </a:bodyPr>
-          <a:lstStyle/>
-          <a:p>
-            <a:pPr marL="0" lvl="0" indent="0" algn="ctr" rtl="0">
-              <a:spcBef>
-                <a:spcPts val="0"/>
-              </a:spcBef>
-              <a:spcAft>
-                <a:spcPts val="0"/>
-              </a:spcAft>
-              <a:buNone/>
-            </a:pPr>
-            <a:r>
-              <a:rPr lang="ru-RU" sz="2000" dirty="0">
-                <a:solidFill>
-                  <a:srgbClr val="000000"/>
-                </a:solidFill>
-              </a:rPr>
-              <a:t>Главное окно приложения</a:t>
-            </a:r>
           </a:p>
         </p:txBody>
       </p:sp>
@@ -8285,36 +8768,43 @@
       </p:sp>
       <p:pic>
         <p:nvPicPr>
-          <p:cNvPr id="9" name="Рисунок 8">
-            <a:extLst>
-              <a:ext uri="{FF2B5EF4-FFF2-40B4-BE49-F238E27FC236}">
-                <a16:creationId xmlns:a16="http://schemas.microsoft.com/office/drawing/2014/main" id="{178E743D-68EB-4322-AB50-5828C495D7F8}"/>
-              </a:ext>
-            </a:extLst>
-          </p:cNvPr>
-          <p:cNvPicPr/>
+          <p:cNvPr id="1028" name="Picture 4" descr="https://sun9-63.userapi.com/impg/ARl7u_2APEWC7B_d0-TPpBZUb8YZT0MzwxSgPg/fJMe9k89FXw.jpg?size=1232x753&amp;quality=96&amp;sign=d3ba053776b63fd9fe6d779b56923972&amp;type=album"/>
+          <p:cNvPicPr>
+            <a:picLocks noChangeAspect="1" noChangeArrowheads="1"/>
+          </p:cNvPicPr>
           <p:nvPr/>
         </p:nvPicPr>
         <p:blipFill>
-          <a:blip r:embed="rId3"/>
+          <a:blip r:embed="rId3">
+            <a:extLst>
+              <a:ext uri="{28A0092B-C50C-407E-A947-70E740481C1C}">
+                <a14:useLocalDpi xmlns:a14="http://schemas.microsoft.com/office/drawing/2010/main" val="0"/>
+              </a:ext>
+            </a:extLst>
+          </a:blip>
           <a:srcRect/>
           <a:stretch>
             <a:fillRect/>
           </a:stretch>
         </p:blipFill>
-        <p:spPr>
+        <p:spPr bwMode="auto">
           <a:xfrm>
-            <a:off x="727212" y="1370498"/>
-            <a:ext cx="7689575" cy="4536421"/>
+            <a:off x="519669" y="1289755"/>
+            <a:ext cx="7952789" cy="4860755"/>
           </a:xfrm>
           <a:prstGeom prst="rect">
             <a:avLst/>
           </a:prstGeom>
           <a:noFill/>
-          <a:ln>
-            <a:noFill/>
-            <a:prstDash/>
-          </a:ln>
+          <a:extLst>
+            <a:ext uri="{909E8E84-426E-40DD-AFC4-6F175D3DCCD1}">
+              <a14:hiddenFill xmlns:a14="http://schemas.microsoft.com/office/drawing/2010/main">
+                <a:solidFill>
+                  <a:srgbClr val="FFFFFF"/>
+                </a:solidFill>
+              </a14:hiddenFill>
+            </a:ext>
+          </a:extLst>
         </p:spPr>
       </p:pic>
     </p:spTree>
@@ -8330,7 +8820,7 @@
   <p:cSld>
     <p:spTree>
       <p:nvGrpSpPr>
-        <p:cNvPr id="1" name="Shape 103"/>
+        <p:cNvPr id="1" name=""/>
         <p:cNvGrpSpPr/>
         <p:nvPr/>
       </p:nvGrpSpPr>
@@ -8344,51 +8834,30 @@
       </p:grpSpPr>
       <p:sp>
         <p:nvSpPr>
-          <p:cNvPr id="104" name="Google Shape;104;p19"/>
-          <p:cNvSpPr txBox="1">
+          <p:cNvPr id="2" name="Заголовок 1"/>
+          <p:cNvSpPr>
             <a:spLocks noGrp="1"/>
           </p:cNvSpPr>
           <p:nvPr>
             <p:ph type="title"/>
           </p:nvPr>
         </p:nvSpPr>
-        <p:spPr>
-          <a:prstGeom prst="rect">
-            <a:avLst/>
-          </a:prstGeom>
-        </p:spPr>
+        <p:spPr/>
         <p:txBody>
-          <a:bodyPr spcFirstLastPara="1" wrap="square" lIns="91425" tIns="91425" rIns="91425" bIns="91425" anchor="t" anchorCtr="0">
-            <a:noAutofit/>
-          </a:bodyPr>
+          <a:bodyPr/>
           <a:lstStyle/>
           <a:p>
-            <a:pPr marL="0" lvl="0" indent="0" algn="l" rtl="0">
-              <a:spcBef>
-                <a:spcPts val="0"/>
-              </a:spcBef>
-              <a:spcAft>
-                <a:spcPts val="0"/>
-              </a:spcAft>
-              <a:buNone/>
-            </a:pPr>
-            <a:r>
-              <a:rPr lang="ru-RU" dirty="0"/>
-              <a:t>Тестирование пользовательского интерфейса </a:t>
-            </a:r>
-            <a:endParaRPr dirty="0"/>
+            <a:r>
+              <a:rPr lang="ru-RU" dirty="0" smtClean="0"/>
+              <a:t>Тестирование пользовательского интерфейса</a:t>
+            </a:r>
+            <a:endParaRPr lang="ru-RU" dirty="0"/>
           </a:p>
         </p:txBody>
       </p:sp>
       <p:sp>
         <p:nvSpPr>
-          <p:cNvPr id="2" name="Текст 1">
-            <a:extLst>
-              <a:ext uri="{FF2B5EF4-FFF2-40B4-BE49-F238E27FC236}">
-                <a16:creationId xmlns:a16="http://schemas.microsoft.com/office/drawing/2014/main" id="{5A4230D3-776C-482F-81D6-2DED2B899160}"/>
-              </a:ext>
-            </a:extLst>
-          </p:cNvPr>
+          <p:cNvPr id="3" name="Текст 2"/>
           <p:cNvSpPr>
             <a:spLocks noGrp="1"/>
           </p:cNvSpPr>
@@ -8396,7 +8865,12 @@
             <p:ph type="body" idx="1"/>
           </p:nvPr>
         </p:nvSpPr>
-        <p:spPr/>
+        <p:spPr>
+          <a:xfrm>
+            <a:off x="311700" y="1356867"/>
+            <a:ext cx="8520600" cy="4734966"/>
+          </a:xfrm>
+        </p:spPr>
         <p:txBody>
           <a:bodyPr/>
           <a:lstStyle/>
@@ -8413,7 +8887,7 @@
                   <a:schemeClr val="tx1"/>
                 </a:solidFill>
               </a:rPr>
-              <a:t>Основные характеристики ПК</a:t>
+              <a:t>Методика тестирования</a:t>
             </a:r>
             <a:r>
               <a:rPr lang="en-US" sz="2000" b="1" dirty="0">
@@ -8427,8 +8901,14 @@
           <a:p>
             <a:pPr>
               <a:lnSpc>
-                <a:spcPct val="150000"/>
+                <a:spcPct val="100000"/>
               </a:lnSpc>
+              <a:spcBef>
+                <a:spcPts val="600"/>
+              </a:spcBef>
+              <a:spcAft>
+                <a:spcPts val="300"/>
+              </a:spcAft>
             </a:pPr>
             <a:r>
               <a:rPr lang="ru-RU" sz="2000" dirty="0">
@@ -8436,7 +8916,28 @@
                   <a:schemeClr val="tx1"/>
                 </a:solidFill>
               </a:rPr>
-              <a:t>Количество ядер центрального процессора: 6 ядер;</a:t>
+              <a:t>Ручное тестирование</a:t>
+            </a:r>
+          </a:p>
+          <a:p>
+            <a:pPr>
+              <a:lnSpc>
+                <a:spcPct val="100000"/>
+              </a:lnSpc>
+              <a:spcBef>
+                <a:spcPts val="600"/>
+              </a:spcBef>
+              <a:spcAft>
+                <a:spcPts val="300"/>
+              </a:spcAft>
+            </a:pPr>
+            <a:r>
+              <a:rPr lang="ru-RU" sz="2000" dirty="0">
+                <a:solidFill>
+                  <a:schemeClr val="tx1"/>
+                </a:solidFill>
+              </a:rPr>
+              <a:t>По методике «белого ящика»</a:t>
             </a:r>
             <a:endParaRPr lang="en-US" sz="2000" dirty="0">
               <a:solidFill>
@@ -8445,201 +8946,224 @@
             </a:endParaRPr>
           </a:p>
           <a:p>
-            <a:pPr>
-              <a:lnSpc>
-                <a:spcPct val="150000"/>
-              </a:lnSpc>
+            <a:pPr marL="114300" indent="0">
+              <a:buNone/>
             </a:pPr>
-            <a:r>
-              <a:rPr lang="ru-RU" sz="2000" dirty="0">
-                <a:solidFill>
-                  <a:schemeClr val="tx1"/>
-                </a:solidFill>
-              </a:rPr>
-              <a:t>Объем оперативной памяти компьютера (ОЗУ): 32 ГБ</a:t>
-            </a:r>
-          </a:p>
-          <a:p>
-            <a:pPr>
-              <a:lnSpc>
-                <a:spcPct val="150000"/>
-              </a:lnSpc>
-            </a:pPr>
-            <a:r>
-              <a:rPr lang="ru-RU" sz="2000" dirty="0">
-                <a:solidFill>
-                  <a:schemeClr val="tx1"/>
-                </a:solidFill>
-              </a:rPr>
-              <a:t>Объем памяти видеокарты: 2 ГБ;</a:t>
-            </a:r>
-          </a:p>
-          <a:p>
-            <a:pPr>
-              <a:lnSpc>
-                <a:spcPct val="150000"/>
-              </a:lnSpc>
-            </a:pPr>
-            <a:r>
-              <a:rPr lang="ru-RU" sz="2000" dirty="0">
-                <a:solidFill>
-                  <a:schemeClr val="tx1"/>
-                </a:solidFill>
-              </a:rPr>
-              <a:t>Размер свободного пространства на SSD: 256 ГБ;</a:t>
-            </a:r>
-          </a:p>
-          <a:p>
-            <a:pPr>
-              <a:lnSpc>
-                <a:spcPct val="150000"/>
-              </a:lnSpc>
-            </a:pPr>
-            <a:r>
-              <a:rPr lang="ru-RU" sz="2000" dirty="0">
-                <a:solidFill>
-                  <a:schemeClr val="tx1"/>
-                </a:solidFill>
-              </a:rPr>
-              <a:t>Операционная система: </a:t>
-            </a:r>
-            <a:r>
-              <a:rPr lang="ru-RU" sz="2000" dirty="0" err="1">
-                <a:solidFill>
-                  <a:schemeClr val="tx1"/>
-                </a:solidFill>
-              </a:rPr>
-              <a:t>Windows</a:t>
-            </a:r>
-            <a:r>
-              <a:rPr lang="ru-RU" sz="2000" dirty="0">
-                <a:solidFill>
-                  <a:schemeClr val="tx1"/>
-                </a:solidFill>
-              </a:rPr>
-              <a:t> 10 </a:t>
-            </a:r>
-            <a:r>
-              <a:rPr lang="ru-RU" sz="2000" dirty="0" err="1">
-                <a:solidFill>
-                  <a:schemeClr val="tx1"/>
-                </a:solidFill>
-              </a:rPr>
-              <a:t>Pro</a:t>
-            </a:r>
-            <a:r>
-              <a:rPr lang="ru-RU" sz="2000" dirty="0">
-                <a:solidFill>
-                  <a:schemeClr val="tx1"/>
-                </a:solidFill>
-              </a:rPr>
-              <a:t> 64-bit</a:t>
-            </a:r>
-          </a:p>
-          <a:p>
-            <a:pPr marL="114300" indent="0">
-              <a:lnSpc>
-                <a:spcPct val="150000"/>
-              </a:lnSpc>
-              <a:buNone/>
-            </a:pPr>
-            <a:r>
-              <a:rPr lang="ru-RU" sz="2000" b="1" dirty="0">
-                <a:solidFill>
-                  <a:schemeClr val="tx1"/>
-                </a:solidFill>
-              </a:rPr>
-              <a:t>Методика тестирования</a:t>
-            </a:r>
-            <a:r>
-              <a:rPr lang="en-US" sz="2000" b="1" dirty="0">
-                <a:solidFill>
-                  <a:schemeClr val="tx1"/>
-                </a:solidFill>
-              </a:rPr>
-              <a:t>:</a:t>
-            </a:r>
-          </a:p>
-          <a:p>
-            <a:pPr>
-              <a:lnSpc>
-                <a:spcPct val="150000"/>
-              </a:lnSpc>
-            </a:pPr>
-            <a:r>
-              <a:rPr lang="ru-RU" sz="2000" dirty="0">
-                <a:solidFill>
-                  <a:schemeClr val="tx1"/>
-                </a:solidFill>
-              </a:rPr>
-              <a:t>Ручное тестирование</a:t>
-            </a:r>
-          </a:p>
-          <a:p>
-            <a:pPr>
-              <a:lnSpc>
-                <a:spcPct val="150000"/>
-              </a:lnSpc>
-            </a:pPr>
-            <a:r>
-              <a:rPr lang="ru-RU" sz="2000" dirty="0">
-                <a:solidFill>
-                  <a:schemeClr val="tx1"/>
-                </a:solidFill>
-              </a:rPr>
-              <a:t>По методике </a:t>
-            </a:r>
-            <a:r>
-              <a:rPr lang="ru-RU" dirty="0">
-                <a:solidFill>
-                  <a:schemeClr val="tx1"/>
-                </a:solidFill>
-              </a:rPr>
-              <a:t>«</a:t>
-            </a:r>
-            <a:r>
-              <a:rPr lang="ru-RU" sz="2000" dirty="0" smtClean="0">
-                <a:solidFill>
-                  <a:schemeClr val="tx1"/>
-                </a:solidFill>
-              </a:rPr>
-              <a:t>белого ящика</a:t>
-            </a:r>
-            <a:r>
-              <a:rPr lang="ru-RU" dirty="0" smtClean="0">
-                <a:solidFill>
-                  <a:schemeClr val="tx1"/>
-                </a:solidFill>
-              </a:rPr>
-              <a:t>»</a:t>
-            </a:r>
-            <a:endParaRPr lang="en-US" sz="2000" dirty="0">
+            <a:endParaRPr lang="ru-RU" dirty="0" smtClean="0">
               <a:solidFill>
                 <a:schemeClr val="tx1"/>
               </a:solidFill>
             </a:endParaRPr>
           </a:p>
+          <a:p>
+            <a:pPr marL="114300" indent="0">
+              <a:lnSpc>
+                <a:spcPct val="100000"/>
+              </a:lnSpc>
+              <a:spcAft>
+                <a:spcPts val="600"/>
+              </a:spcAft>
+              <a:buNone/>
+            </a:pPr>
+            <a:r>
+              <a:rPr lang="ru-RU" sz="2000" b="1" dirty="0" smtClean="0">
+                <a:solidFill>
+                  <a:schemeClr val="tx1"/>
+                </a:solidFill>
+              </a:rPr>
+              <a:t>Было протестировано</a:t>
+            </a:r>
+            <a:r>
+              <a:rPr lang="en-US" sz="2000" b="1" dirty="0" smtClean="0">
+                <a:solidFill>
+                  <a:schemeClr val="tx1"/>
+                </a:solidFill>
+              </a:rPr>
+              <a:t>:</a:t>
+            </a:r>
+          </a:p>
+          <a:p>
+            <a:pPr indent="-381600">
+              <a:lnSpc>
+                <a:spcPct val="100000"/>
+              </a:lnSpc>
+              <a:spcBef>
+                <a:spcPts val="600"/>
+              </a:spcBef>
+              <a:spcAft>
+                <a:spcPts val="300"/>
+              </a:spcAft>
+            </a:pPr>
+            <a:r>
+              <a:rPr lang="ru-RU" sz="2000" dirty="0" smtClean="0">
+                <a:solidFill>
+                  <a:schemeClr val="tx1"/>
+                </a:solidFill>
+              </a:rPr>
+              <a:t>Масштабируемость интерфейса</a:t>
+            </a:r>
+          </a:p>
+          <a:p>
+            <a:pPr indent="-381600">
+              <a:lnSpc>
+                <a:spcPct val="100000"/>
+              </a:lnSpc>
+              <a:spcBef>
+                <a:spcPts val="600"/>
+              </a:spcBef>
+              <a:spcAft>
+                <a:spcPts val="300"/>
+              </a:spcAft>
+            </a:pPr>
+            <a:r>
+              <a:rPr lang="ru-RU" sz="2000" dirty="0" smtClean="0">
+                <a:solidFill>
+                  <a:schemeClr val="tx1"/>
+                </a:solidFill>
+              </a:rPr>
+              <a:t>Границы </a:t>
+            </a:r>
+            <a:r>
+              <a:rPr lang="ru-RU" sz="2000" dirty="0" err="1" smtClean="0">
+                <a:solidFill>
+                  <a:schemeClr val="tx1"/>
+                </a:solidFill>
+              </a:rPr>
+              <a:t>валидации</a:t>
+            </a:r>
+            <a:r>
+              <a:rPr lang="ru-RU" sz="2000" dirty="0" smtClean="0">
+                <a:solidFill>
+                  <a:schemeClr val="tx1"/>
+                </a:solidFill>
+              </a:rPr>
+              <a:t> полей, принимающие численные значения</a:t>
+            </a:r>
+          </a:p>
+          <a:p>
+            <a:pPr indent="-381600">
+              <a:lnSpc>
+                <a:spcPct val="100000"/>
+              </a:lnSpc>
+              <a:spcBef>
+                <a:spcPts val="600"/>
+              </a:spcBef>
+              <a:spcAft>
+                <a:spcPts val="300"/>
+              </a:spcAft>
+            </a:pPr>
+            <a:r>
+              <a:rPr lang="ru-RU" sz="2000" dirty="0" smtClean="0">
+                <a:solidFill>
+                  <a:schemeClr val="tx1"/>
+                </a:solidFill>
+              </a:rPr>
+              <a:t>Состояния флажков</a:t>
+            </a:r>
+          </a:p>
+          <a:p>
+            <a:pPr indent="-381600">
+              <a:lnSpc>
+                <a:spcPct val="100000"/>
+              </a:lnSpc>
+              <a:spcBef>
+                <a:spcPts val="600"/>
+              </a:spcBef>
+              <a:spcAft>
+                <a:spcPts val="300"/>
+              </a:spcAft>
+            </a:pPr>
+            <a:r>
+              <a:rPr lang="ru-RU" sz="2000" dirty="0" smtClean="0">
+                <a:solidFill>
+                  <a:schemeClr val="tx1"/>
+                </a:solidFill>
+              </a:rPr>
+              <a:t>Состояния переключателей</a:t>
+            </a:r>
+          </a:p>
+          <a:p>
+            <a:pPr indent="-381600">
+              <a:lnSpc>
+                <a:spcPct val="100000"/>
+              </a:lnSpc>
+              <a:spcBef>
+                <a:spcPts val="600"/>
+              </a:spcBef>
+              <a:spcAft>
+                <a:spcPts val="300"/>
+              </a:spcAft>
+            </a:pPr>
+            <a:r>
+              <a:rPr lang="ru-RU" sz="2000" dirty="0" smtClean="0">
+                <a:solidFill>
+                  <a:schemeClr val="tx1"/>
+                </a:solidFill>
+              </a:rPr>
+              <a:t>Значения выпадающих списков</a:t>
+            </a:r>
+          </a:p>
+          <a:p>
+            <a:pPr indent="-381600">
+              <a:lnSpc>
+                <a:spcPct val="100000"/>
+              </a:lnSpc>
+              <a:spcBef>
+                <a:spcPts val="600"/>
+              </a:spcBef>
+              <a:spcAft>
+                <a:spcPts val="300"/>
+              </a:spcAft>
+            </a:pPr>
+            <a:r>
+              <a:rPr lang="ru-RU" sz="2000" dirty="0" smtClean="0">
+                <a:solidFill>
+                  <a:schemeClr val="tx1"/>
+                </a:solidFill>
+              </a:rPr>
+              <a:t>Реакция системы на все элементы управления</a:t>
+            </a:r>
+          </a:p>
+          <a:p>
+            <a:pPr marL="75600" indent="0">
+              <a:lnSpc>
+                <a:spcPct val="100000"/>
+              </a:lnSpc>
+              <a:buNone/>
+            </a:pPr>
+            <a:endParaRPr lang="ru-RU" sz="2000" dirty="0">
+              <a:solidFill>
+                <a:schemeClr val="tx1"/>
+              </a:solidFill>
+            </a:endParaRPr>
+          </a:p>
+          <a:p>
+            <a:pPr marL="114300" indent="0">
+              <a:buNone/>
+            </a:pPr>
+            <a:endParaRPr lang="ru-RU" sz="2000" dirty="0" smtClean="0"/>
+          </a:p>
+          <a:p>
+            <a:pPr marL="114300" indent="0">
+              <a:buNone/>
+            </a:pPr>
+            <a:endParaRPr lang="ru-RU" dirty="0"/>
+          </a:p>
         </p:txBody>
       </p:sp>
       <p:sp>
         <p:nvSpPr>
-          <p:cNvPr id="106" name="Google Shape;106;p19"/>
-          <p:cNvSpPr txBox="1">
+          <p:cNvPr id="4" name="Номер слайда 3"/>
+          <p:cNvSpPr>
             <a:spLocks noGrp="1"/>
           </p:cNvSpPr>
           <p:nvPr>
             <p:ph type="sldNum" idx="12"/>
           </p:nvPr>
         </p:nvSpPr>
-        <p:spPr>
-          <a:prstGeom prst="rect">
-            <a:avLst/>
-          </a:prstGeom>
-        </p:spPr>
+        <p:spPr/>
         <p:txBody>
-          <a:bodyPr spcFirstLastPara="1" wrap="square" lIns="91425" tIns="91425" rIns="91425" bIns="91425" anchor="ctr" anchorCtr="0">
-            <a:noAutofit/>
-          </a:bodyPr>
+          <a:bodyPr/>
           <a:lstStyle/>
           <a:p>
             <a:pPr marL="0" lvl="0" indent="0" algn="r" rtl="0">
@@ -8652,14 +9176,19 @@
               <a:buNone/>
             </a:pPr>
             <a:fld id="{00000000-1234-1234-1234-123412341234}" type="slidenum">
-              <a:rPr lang="en"/>
+              <a:rPr lang="en" smtClean="0"/>
               <a:t>7</a:t>
             </a:fld>
-            <a:endParaRPr/>
+            <a:endParaRPr lang="en"/>
           </a:p>
         </p:txBody>
       </p:sp>
     </p:spTree>
+    <p:extLst>
+      <p:ext uri="{BB962C8B-B14F-4D97-AF65-F5344CB8AC3E}">
+        <p14:creationId xmlns:p14="http://schemas.microsoft.com/office/powerpoint/2010/main" val="1093878767"/>
+      </p:ext>
+    </p:extLst>
   </p:cSld>
   <p:clrMapOvr>
     <a:masterClrMapping/>
@@ -8672,7 +9201,7 @@
   <p:cSld>
     <p:spTree>
       <p:nvGrpSpPr>
-        <p:cNvPr id="1" name="Shape 119"/>
+        <p:cNvPr id="1" name=""/>
         <p:cNvGrpSpPr/>
         <p:nvPr/>
       </p:nvGrpSpPr>
@@ -8686,41 +9215,7 @@
       </p:grpSpPr>
       <p:sp>
         <p:nvSpPr>
-          <p:cNvPr id="2" name="Заголовок 1">
-            <a:extLst>
-              <a:ext uri="{FF2B5EF4-FFF2-40B4-BE49-F238E27FC236}">
-                <a16:creationId xmlns:a16="http://schemas.microsoft.com/office/drawing/2014/main" id="{08817E49-86A0-434F-8225-8F1DCED86EEA}"/>
-              </a:ext>
-            </a:extLst>
-          </p:cNvPr>
-          <p:cNvSpPr>
-            <a:spLocks noGrp="1"/>
-          </p:cNvSpPr>
-          <p:nvPr>
-            <p:ph type="title"/>
-          </p:nvPr>
-        </p:nvSpPr>
-        <p:spPr/>
-        <p:txBody>
-          <a:bodyPr/>
-          <a:lstStyle/>
-          <a:p>
-            <a:r>
-              <a:rPr lang="ru-RU" dirty="0"/>
-              <a:t>Результаты тестирования</a:t>
-            </a:r>
-          </a:p>
-        </p:txBody>
-      </p:sp>
-      <p:sp>
-        <p:nvSpPr>
-          <p:cNvPr id="3" name="Текст 2">
-            <a:extLst>
-              <a:ext uri="{FF2B5EF4-FFF2-40B4-BE49-F238E27FC236}">
-                <a16:creationId xmlns:a16="http://schemas.microsoft.com/office/drawing/2014/main" id="{099C9D2D-6A83-4354-9050-CC6E191674F4}"/>
-              </a:ext>
-            </a:extLst>
-          </p:cNvPr>
+          <p:cNvPr id="3" name="Текст 2"/>
           <p:cNvSpPr>
             <a:spLocks noGrp="1"/>
           </p:cNvSpPr>
@@ -8728,7 +9223,12 @@
             <p:ph type="body" idx="1"/>
           </p:nvPr>
         </p:nvSpPr>
-        <p:spPr/>
+        <p:spPr>
+          <a:xfrm>
+            <a:off x="15722" y="4265177"/>
+            <a:ext cx="2578108" cy="1154994"/>
+          </a:xfrm>
+        </p:spPr>
         <p:txBody>
           <a:bodyPr/>
           <a:lstStyle/>
@@ -8737,71 +9237,790 @@
               <a:buNone/>
             </a:pPr>
             <a:r>
-              <a:rPr lang="ru-RU" sz="2000" dirty="0">
+              <a:rPr lang="ru-RU" dirty="0" smtClean="0">
                 <a:solidFill>
                   <a:schemeClr val="tx1"/>
                 </a:solidFill>
               </a:rPr>
-              <a:t>В ходе выполнения тестирования были разобраны все элементы управления,</a:t>
-            </a:r>
-            <a:r>
-              <a:rPr lang="en-US" sz="2000" dirty="0">
-                <a:solidFill>
-                  <a:schemeClr val="tx1"/>
-                </a:solidFill>
-              </a:rPr>
-              <a:t> </a:t>
-            </a:r>
-            <a:r>
-              <a:rPr lang="ru-RU" sz="2000" dirty="0">
-                <a:solidFill>
-                  <a:schemeClr val="tx1"/>
-                </a:solidFill>
-              </a:rPr>
-              <a:t> масштабируемость, реакция системы на взаимодействия с ними, а также указаны допустимые значения валидации.</a:t>
-            </a:r>
+              <a:t>Временные затраты на восстановление и выбор режима отображения</a:t>
+            </a:r>
+            <a:endParaRPr lang="ru-RU" dirty="0">
+              <a:solidFill>
+                <a:schemeClr val="tx1"/>
+              </a:solidFill>
+            </a:endParaRPr>
           </a:p>
         </p:txBody>
       </p:sp>
       <p:sp>
         <p:nvSpPr>
-          <p:cNvPr id="121" name="Google Shape;121;p21"/>
-          <p:cNvSpPr txBox="1">
+          <p:cNvPr id="4" name="Номер слайда 3"/>
+          <p:cNvSpPr>
             <a:spLocks noGrp="1"/>
           </p:cNvSpPr>
           <p:nvPr>
             <p:ph type="sldNum" idx="12"/>
           </p:nvPr>
         </p:nvSpPr>
+        <p:spPr/>
+        <p:txBody>
+          <a:bodyPr/>
+          <a:lstStyle/>
+          <a:p>
+            <a:pPr marL="0" lvl="0" indent="0" algn="r" rtl="0">
+              <a:spcBef>
+                <a:spcPts val="0"/>
+              </a:spcBef>
+              <a:spcAft>
+                <a:spcPts val="0"/>
+              </a:spcAft>
+              <a:buNone/>
+            </a:pPr>
+            <a:fld id="{00000000-1234-1234-1234-123412341234}" type="slidenum">
+              <a:rPr lang="en" smtClean="0"/>
+              <a:t>8</a:t>
+            </a:fld>
+            <a:endParaRPr lang="en"/>
+          </a:p>
+        </p:txBody>
+      </p:sp>
+      <p:sp>
+        <p:nvSpPr>
+          <p:cNvPr id="2" name="Заголовок 1"/>
+          <p:cNvSpPr>
+            <a:spLocks noGrp="1"/>
+          </p:cNvSpPr>
+          <p:nvPr>
+            <p:ph type="title" idx="4294967295"/>
+          </p:nvPr>
+        </p:nvSpPr>
         <p:spPr>
+          <a:xfrm>
+            <a:off x="213390" y="536575"/>
+            <a:ext cx="8308310" cy="1074738"/>
+          </a:xfrm>
+        </p:spPr>
+        <p:txBody>
+          <a:bodyPr/>
+          <a:lstStyle/>
+          <a:p>
+            <a:r>
+              <a:rPr lang="ru-RU" dirty="0" smtClean="0"/>
+              <a:t>Тестирования инструмента для сравнение алгоритмов восстановления</a:t>
+            </a:r>
+            <a:endParaRPr lang="ru-RU" dirty="0"/>
+          </a:p>
+        </p:txBody>
+      </p:sp>
+      <p:pic>
+        <p:nvPicPr>
+          <p:cNvPr id="2050" name="Picture 2" descr="https://sun9-39.userapi.com/impg/iN74OK-H7aoJVWl6YjqQ8Lo_-jviizC6_1gL2Q/KluZFF89eTE.jpg?size=249x97&amp;quality=96&amp;sign=46631b6752981a96d6ff66b675d942fd&amp;type=album"/>
+          <p:cNvPicPr>
+            <a:picLocks noChangeAspect="1" noChangeArrowheads="1"/>
+          </p:cNvPicPr>
+          <p:nvPr/>
+        </p:nvPicPr>
+        <p:blipFill>
+          <a:blip r:embed="rId2">
+            <a:extLst>
+              <a:ext uri="{28A0092B-C50C-407E-A947-70E740481C1C}">
+                <a14:useLocalDpi xmlns:a14="http://schemas.microsoft.com/office/drawing/2010/main" val="0"/>
+              </a:ext>
+            </a:extLst>
+          </a:blip>
+          <a:srcRect/>
+          <a:stretch>
+            <a:fillRect/>
+          </a:stretch>
+        </p:blipFill>
+        <p:spPr bwMode="auto">
+          <a:xfrm>
+            <a:off x="213390" y="3338565"/>
+            <a:ext cx="2371725" cy="923925"/>
+          </a:xfrm>
           <a:prstGeom prst="rect">
             <a:avLst/>
           </a:prstGeom>
+          <a:noFill/>
+          <a:extLst>
+            <a:ext uri="{909E8E84-426E-40DD-AFC4-6F175D3DCCD1}">
+              <a14:hiddenFill xmlns:a14="http://schemas.microsoft.com/office/drawing/2010/main">
+                <a:solidFill>
+                  <a:srgbClr val="FFFFFF"/>
+                </a:solidFill>
+              </a14:hiddenFill>
+            </a:ext>
+          </a:extLst>
+        </p:spPr>
+      </p:pic>
+      <p:pic>
+        <p:nvPicPr>
+          <p:cNvPr id="2052" name="Picture 4" descr="https://sun9-53.userapi.com/impg/dPM2vJ5U-drSHuRfMizOZV83qU80tR4HVSlyOw/kHJNHC6EkE0.jpg?size=482x552&amp;quality=96&amp;sign=b960f15b7c4064195e50285a68394f60&amp;type=album"/>
+          <p:cNvPicPr>
+            <a:picLocks noChangeAspect="1" noChangeArrowheads="1"/>
+          </p:cNvPicPr>
+          <p:nvPr/>
+        </p:nvPicPr>
+        <p:blipFill>
+          <a:blip r:embed="rId3">
+            <a:extLst>
+              <a:ext uri="{28A0092B-C50C-407E-A947-70E740481C1C}">
+                <a14:useLocalDpi xmlns:a14="http://schemas.microsoft.com/office/drawing/2010/main" val="0"/>
+              </a:ext>
+            </a:extLst>
+          </a:blip>
+          <a:srcRect/>
+          <a:stretch>
+            <a:fillRect/>
+          </a:stretch>
+        </p:blipFill>
+        <p:spPr bwMode="auto">
+          <a:xfrm>
+            <a:off x="5907156" y="2474307"/>
+            <a:ext cx="2499497" cy="2862495"/>
+          </a:xfrm>
+          <a:prstGeom prst="rect">
+            <a:avLst/>
+          </a:prstGeom>
+          <a:noFill/>
+          <a:extLst>
+            <a:ext uri="{909E8E84-426E-40DD-AFC4-6F175D3DCCD1}">
+              <a14:hiddenFill xmlns:a14="http://schemas.microsoft.com/office/drawing/2010/main">
+                <a:solidFill>
+                  <a:srgbClr val="FFFFFF"/>
+                </a:solidFill>
+              </a14:hiddenFill>
+            </a:ext>
+          </a:extLst>
+        </p:spPr>
+      </p:pic>
+      <p:pic>
+        <p:nvPicPr>
+          <p:cNvPr id="2054" name="Picture 6" descr="https://sun9-35.userapi.com/impg/Ej2vaf30j7azWgwgz7k0_idn4KwgYqnuhzMUvg/FVA4y5ceHBw.jpg?size=548x595&amp;quality=96&amp;sign=85f3ccd36234e44219e7c6390c34c259&amp;type=album"/>
+          <p:cNvPicPr>
+            <a:picLocks noChangeAspect="1" noChangeArrowheads="1"/>
+          </p:cNvPicPr>
+          <p:nvPr/>
+        </p:nvPicPr>
+        <p:blipFill>
+          <a:blip r:embed="rId4">
+            <a:extLst>
+              <a:ext uri="{28A0092B-C50C-407E-A947-70E740481C1C}">
+                <a14:useLocalDpi xmlns:a14="http://schemas.microsoft.com/office/drawing/2010/main" val="0"/>
+              </a:ext>
+            </a:extLst>
+          </a:blip>
+          <a:srcRect/>
+          <a:stretch>
+            <a:fillRect/>
+          </a:stretch>
+        </p:blipFill>
+        <p:spPr bwMode="auto">
+          <a:xfrm>
+            <a:off x="2811618" y="2474307"/>
+            <a:ext cx="2642110" cy="2868714"/>
+          </a:xfrm>
+          <a:prstGeom prst="rect">
+            <a:avLst/>
+          </a:prstGeom>
+          <a:noFill/>
+          <a:extLst>
+            <a:ext uri="{909E8E84-426E-40DD-AFC4-6F175D3DCCD1}">
+              <a14:hiddenFill xmlns:a14="http://schemas.microsoft.com/office/drawing/2010/main">
+                <a:solidFill>
+                  <a:srgbClr val="FFFFFF"/>
+                </a:solidFill>
+              </a14:hiddenFill>
+            </a:ext>
+          </a:extLst>
+        </p:spPr>
+      </p:pic>
+      <p:sp>
+        <p:nvSpPr>
+          <p:cNvPr id="8" name="Текст 2"/>
+          <p:cNvSpPr txBox="1">
+            <a:spLocks/>
+          </p:cNvSpPr>
+          <p:nvPr/>
+        </p:nvSpPr>
+        <p:spPr>
+          <a:xfrm>
+            <a:off x="2722007" y="5089102"/>
+            <a:ext cx="2823116" cy="806700"/>
+          </a:xfrm>
+          <a:prstGeom prst="rect">
+            <a:avLst/>
+          </a:prstGeom>
+          <a:noFill/>
+          <a:ln>
+            <a:noFill/>
+          </a:ln>
         </p:spPr>
         <p:txBody>
           <a:bodyPr spcFirstLastPara="1" wrap="square" lIns="91425" tIns="91425" rIns="91425" bIns="91425" anchor="ctr" anchorCtr="0">
             <a:noAutofit/>
           </a:bodyPr>
-          <a:lstStyle/>
-          <a:p>
-            <a:pPr marL="0" lvl="0" indent="0" algn="r" rtl="0">
-              <a:spcBef>
-                <a:spcPts val="0"/>
-              </a:spcBef>
-              <a:spcAft>
-                <a:spcPts val="0"/>
-              </a:spcAft>
-              <a:buNone/>
-            </a:pPr>
-            <a:fld id="{00000000-1234-1234-1234-123412341234}" type="slidenum">
-              <a:rPr lang="en"/>
-              <a:t>8</a:t>
-            </a:fld>
-            <a:endParaRPr/>
+          <a:lstStyle>
+            <a:defPPr marR="0" lvl="0" algn="l" rtl="0">
+              <a:lnSpc>
+                <a:spcPct val="100000"/>
+              </a:lnSpc>
+              <a:spcBef>
+                <a:spcPts val="0"/>
+              </a:spcBef>
+              <a:spcAft>
+                <a:spcPts val="0"/>
+              </a:spcAft>
+            </a:defPPr>
+            <a:lvl1pPr marL="457200" marR="0" lvl="0" indent="-228600" algn="l" rtl="0">
+              <a:lnSpc>
+                <a:spcPct val="100000"/>
+              </a:lnSpc>
+              <a:spcBef>
+                <a:spcPts val="0"/>
+              </a:spcBef>
+              <a:spcAft>
+                <a:spcPts val="0"/>
+              </a:spcAft>
+              <a:buClr>
+                <a:schemeClr val="dk2"/>
+              </a:buClr>
+              <a:buSzPts val="1800"/>
+              <a:buFont typeface="Arial"/>
+              <a:buNone/>
+              <a:defRPr sz="1800" b="0" i="0" u="none" strike="noStrike" cap="none">
+                <a:solidFill>
+                  <a:schemeClr val="dk2"/>
+                </a:solidFill>
+                <a:latin typeface="Arial"/>
+                <a:ea typeface="Arial"/>
+                <a:cs typeface="Arial"/>
+                <a:sym typeface="Arial"/>
+              </a:defRPr>
+            </a:lvl1pPr>
+            <a:lvl2pPr marL="914400" marR="0" lvl="1" indent="-317500" algn="l" rtl="0">
+              <a:lnSpc>
+                <a:spcPct val="115000"/>
+              </a:lnSpc>
+              <a:spcBef>
+                <a:spcPts val="1600"/>
+              </a:spcBef>
+              <a:spcAft>
+                <a:spcPts val="0"/>
+              </a:spcAft>
+              <a:buClr>
+                <a:schemeClr val="dk2"/>
+              </a:buClr>
+              <a:buSzPts val="1400"/>
+              <a:buFont typeface="Arial"/>
+              <a:buChar char="○"/>
+              <a:defRPr sz="1400" b="0" i="0" u="none" strike="noStrike" cap="none">
+                <a:solidFill>
+                  <a:schemeClr val="dk2"/>
+                </a:solidFill>
+                <a:latin typeface="Arial"/>
+                <a:ea typeface="Arial"/>
+                <a:cs typeface="Arial"/>
+                <a:sym typeface="Arial"/>
+              </a:defRPr>
+            </a:lvl2pPr>
+            <a:lvl3pPr marL="1371600" marR="0" lvl="2" indent="-317500" algn="l" rtl="0">
+              <a:lnSpc>
+                <a:spcPct val="115000"/>
+              </a:lnSpc>
+              <a:spcBef>
+                <a:spcPts val="1600"/>
+              </a:spcBef>
+              <a:spcAft>
+                <a:spcPts val="0"/>
+              </a:spcAft>
+              <a:buClr>
+                <a:schemeClr val="dk2"/>
+              </a:buClr>
+              <a:buSzPts val="1400"/>
+              <a:buFont typeface="Arial"/>
+              <a:buChar char="■"/>
+              <a:defRPr sz="1400" b="0" i="0" u="none" strike="noStrike" cap="none">
+                <a:solidFill>
+                  <a:schemeClr val="dk2"/>
+                </a:solidFill>
+                <a:latin typeface="Arial"/>
+                <a:ea typeface="Arial"/>
+                <a:cs typeface="Arial"/>
+                <a:sym typeface="Arial"/>
+              </a:defRPr>
+            </a:lvl3pPr>
+            <a:lvl4pPr marL="1828800" marR="0" lvl="3" indent="-317500" algn="l" rtl="0">
+              <a:lnSpc>
+                <a:spcPct val="115000"/>
+              </a:lnSpc>
+              <a:spcBef>
+                <a:spcPts val="1600"/>
+              </a:spcBef>
+              <a:spcAft>
+                <a:spcPts val="0"/>
+              </a:spcAft>
+              <a:buClr>
+                <a:schemeClr val="dk2"/>
+              </a:buClr>
+              <a:buSzPts val="1400"/>
+              <a:buFont typeface="Arial"/>
+              <a:buChar char="●"/>
+              <a:defRPr sz="1400" b="0" i="0" u="none" strike="noStrike" cap="none">
+                <a:solidFill>
+                  <a:schemeClr val="dk2"/>
+                </a:solidFill>
+                <a:latin typeface="Arial"/>
+                <a:ea typeface="Arial"/>
+                <a:cs typeface="Arial"/>
+                <a:sym typeface="Arial"/>
+              </a:defRPr>
+            </a:lvl4pPr>
+            <a:lvl5pPr marL="2286000" marR="0" lvl="4" indent="-317500" algn="l" rtl="0">
+              <a:lnSpc>
+                <a:spcPct val="115000"/>
+              </a:lnSpc>
+              <a:spcBef>
+                <a:spcPts val="1600"/>
+              </a:spcBef>
+              <a:spcAft>
+                <a:spcPts val="0"/>
+              </a:spcAft>
+              <a:buClr>
+                <a:schemeClr val="dk2"/>
+              </a:buClr>
+              <a:buSzPts val="1400"/>
+              <a:buFont typeface="Arial"/>
+              <a:buChar char="○"/>
+              <a:defRPr sz="1400" b="0" i="0" u="none" strike="noStrike" cap="none">
+                <a:solidFill>
+                  <a:schemeClr val="dk2"/>
+                </a:solidFill>
+                <a:latin typeface="Arial"/>
+                <a:ea typeface="Arial"/>
+                <a:cs typeface="Arial"/>
+                <a:sym typeface="Arial"/>
+              </a:defRPr>
+            </a:lvl5pPr>
+            <a:lvl6pPr marL="2743200" marR="0" lvl="5" indent="-317500" algn="l" rtl="0">
+              <a:lnSpc>
+                <a:spcPct val="115000"/>
+              </a:lnSpc>
+              <a:spcBef>
+                <a:spcPts val="1600"/>
+              </a:spcBef>
+              <a:spcAft>
+                <a:spcPts val="0"/>
+              </a:spcAft>
+              <a:buClr>
+                <a:schemeClr val="dk2"/>
+              </a:buClr>
+              <a:buSzPts val="1400"/>
+              <a:buFont typeface="Arial"/>
+              <a:buChar char="■"/>
+              <a:defRPr sz="1400" b="0" i="0" u="none" strike="noStrike" cap="none">
+                <a:solidFill>
+                  <a:schemeClr val="dk2"/>
+                </a:solidFill>
+                <a:latin typeface="Arial"/>
+                <a:ea typeface="Arial"/>
+                <a:cs typeface="Arial"/>
+                <a:sym typeface="Arial"/>
+              </a:defRPr>
+            </a:lvl6pPr>
+            <a:lvl7pPr marL="3200400" marR="0" lvl="6" indent="-317500" algn="l" rtl="0">
+              <a:lnSpc>
+                <a:spcPct val="115000"/>
+              </a:lnSpc>
+              <a:spcBef>
+                <a:spcPts val="1600"/>
+              </a:spcBef>
+              <a:spcAft>
+                <a:spcPts val="0"/>
+              </a:spcAft>
+              <a:buClr>
+                <a:schemeClr val="dk2"/>
+              </a:buClr>
+              <a:buSzPts val="1400"/>
+              <a:buFont typeface="Arial"/>
+              <a:buChar char="●"/>
+              <a:defRPr sz="1400" b="0" i="0" u="none" strike="noStrike" cap="none">
+                <a:solidFill>
+                  <a:schemeClr val="dk2"/>
+                </a:solidFill>
+                <a:latin typeface="Arial"/>
+                <a:ea typeface="Arial"/>
+                <a:cs typeface="Arial"/>
+                <a:sym typeface="Arial"/>
+              </a:defRPr>
+            </a:lvl7pPr>
+            <a:lvl8pPr marL="3657600" marR="0" lvl="7" indent="-317500" algn="l" rtl="0">
+              <a:lnSpc>
+                <a:spcPct val="115000"/>
+              </a:lnSpc>
+              <a:spcBef>
+                <a:spcPts val="1600"/>
+              </a:spcBef>
+              <a:spcAft>
+                <a:spcPts val="0"/>
+              </a:spcAft>
+              <a:buClr>
+                <a:schemeClr val="dk2"/>
+              </a:buClr>
+              <a:buSzPts val="1400"/>
+              <a:buFont typeface="Arial"/>
+              <a:buChar char="○"/>
+              <a:defRPr sz="1400" b="0" i="0" u="none" strike="noStrike" cap="none">
+                <a:solidFill>
+                  <a:schemeClr val="dk2"/>
+                </a:solidFill>
+                <a:latin typeface="Arial"/>
+                <a:ea typeface="Arial"/>
+                <a:cs typeface="Arial"/>
+                <a:sym typeface="Arial"/>
+              </a:defRPr>
+            </a:lvl8pPr>
+            <a:lvl9pPr marL="4114800" marR="0" lvl="8" indent="-317500" algn="l" rtl="0">
+              <a:lnSpc>
+                <a:spcPct val="115000"/>
+              </a:lnSpc>
+              <a:spcBef>
+                <a:spcPts val="1600"/>
+              </a:spcBef>
+              <a:spcAft>
+                <a:spcPts val="1600"/>
+              </a:spcAft>
+              <a:buClr>
+                <a:schemeClr val="dk2"/>
+              </a:buClr>
+              <a:buSzPts val="1400"/>
+              <a:buFont typeface="Arial"/>
+              <a:buChar char="■"/>
+              <a:defRPr sz="1400" b="0" i="0" u="none" strike="noStrike" cap="none">
+                <a:solidFill>
+                  <a:schemeClr val="dk2"/>
+                </a:solidFill>
+                <a:latin typeface="Arial"/>
+                <a:ea typeface="Arial"/>
+                <a:cs typeface="Arial"/>
+                <a:sym typeface="Arial"/>
+              </a:defRPr>
+            </a:lvl9pPr>
+          </a:lstStyle>
+          <a:p>
+            <a:pPr marL="114300" indent="0"/>
+            <a:r>
+              <a:rPr lang="ru-RU" dirty="0" smtClean="0">
+                <a:solidFill>
+                  <a:schemeClr val="tx1"/>
+                </a:solidFill>
+              </a:rPr>
+              <a:t>Отклонение от модели</a:t>
+            </a:r>
+            <a:endParaRPr lang="ru-RU" dirty="0">
+              <a:solidFill>
+                <a:schemeClr val="tx1"/>
+              </a:solidFill>
+            </a:endParaRPr>
+          </a:p>
+        </p:txBody>
+      </p:sp>
+      <p:sp>
+        <p:nvSpPr>
+          <p:cNvPr id="9" name="Текст 2"/>
+          <p:cNvSpPr txBox="1">
+            <a:spLocks/>
+          </p:cNvSpPr>
+          <p:nvPr/>
+        </p:nvSpPr>
+        <p:spPr>
+          <a:xfrm>
+            <a:off x="5907156" y="5237417"/>
+            <a:ext cx="2499497" cy="809979"/>
+          </a:xfrm>
+          <a:prstGeom prst="rect">
+            <a:avLst/>
+          </a:prstGeom>
+          <a:noFill/>
+          <a:ln>
+            <a:noFill/>
+          </a:ln>
+        </p:spPr>
+        <p:txBody>
+          <a:bodyPr spcFirstLastPara="1" wrap="square" lIns="91425" tIns="91425" rIns="91425" bIns="91425" anchor="ctr" anchorCtr="0">
+            <a:noAutofit/>
+          </a:bodyPr>
+          <a:lstStyle>
+            <a:defPPr marR="0" lvl="0" algn="l" rtl="0">
+              <a:lnSpc>
+                <a:spcPct val="100000"/>
+              </a:lnSpc>
+              <a:spcBef>
+                <a:spcPts val="0"/>
+              </a:spcBef>
+              <a:spcAft>
+                <a:spcPts val="0"/>
+              </a:spcAft>
+            </a:defPPr>
+            <a:lvl1pPr marL="457200" marR="0" lvl="0" indent="-228600" algn="l" rtl="0">
+              <a:lnSpc>
+                <a:spcPct val="100000"/>
+              </a:lnSpc>
+              <a:spcBef>
+                <a:spcPts val="0"/>
+              </a:spcBef>
+              <a:spcAft>
+                <a:spcPts val="0"/>
+              </a:spcAft>
+              <a:buClr>
+                <a:schemeClr val="dk2"/>
+              </a:buClr>
+              <a:buSzPts val="1800"/>
+              <a:buFont typeface="Arial"/>
+              <a:buNone/>
+              <a:defRPr sz="1800" b="0" i="0" u="none" strike="noStrike" cap="none">
+                <a:solidFill>
+                  <a:schemeClr val="dk2"/>
+                </a:solidFill>
+                <a:latin typeface="Arial"/>
+                <a:ea typeface="Arial"/>
+                <a:cs typeface="Arial"/>
+                <a:sym typeface="Arial"/>
+              </a:defRPr>
+            </a:lvl1pPr>
+            <a:lvl2pPr marL="914400" marR="0" lvl="1" indent="-317500" algn="l" rtl="0">
+              <a:lnSpc>
+                <a:spcPct val="115000"/>
+              </a:lnSpc>
+              <a:spcBef>
+                <a:spcPts val="1600"/>
+              </a:spcBef>
+              <a:spcAft>
+                <a:spcPts val="0"/>
+              </a:spcAft>
+              <a:buClr>
+                <a:schemeClr val="dk2"/>
+              </a:buClr>
+              <a:buSzPts val="1400"/>
+              <a:buFont typeface="Arial"/>
+              <a:buChar char="○"/>
+              <a:defRPr sz="1400" b="0" i="0" u="none" strike="noStrike" cap="none">
+                <a:solidFill>
+                  <a:schemeClr val="dk2"/>
+                </a:solidFill>
+                <a:latin typeface="Arial"/>
+                <a:ea typeface="Arial"/>
+                <a:cs typeface="Arial"/>
+                <a:sym typeface="Arial"/>
+              </a:defRPr>
+            </a:lvl2pPr>
+            <a:lvl3pPr marL="1371600" marR="0" lvl="2" indent="-317500" algn="l" rtl="0">
+              <a:lnSpc>
+                <a:spcPct val="115000"/>
+              </a:lnSpc>
+              <a:spcBef>
+                <a:spcPts val="1600"/>
+              </a:spcBef>
+              <a:spcAft>
+                <a:spcPts val="0"/>
+              </a:spcAft>
+              <a:buClr>
+                <a:schemeClr val="dk2"/>
+              </a:buClr>
+              <a:buSzPts val="1400"/>
+              <a:buFont typeface="Arial"/>
+              <a:buChar char="■"/>
+              <a:defRPr sz="1400" b="0" i="0" u="none" strike="noStrike" cap="none">
+                <a:solidFill>
+                  <a:schemeClr val="dk2"/>
+                </a:solidFill>
+                <a:latin typeface="Arial"/>
+                <a:ea typeface="Arial"/>
+                <a:cs typeface="Arial"/>
+                <a:sym typeface="Arial"/>
+              </a:defRPr>
+            </a:lvl3pPr>
+            <a:lvl4pPr marL="1828800" marR="0" lvl="3" indent="-317500" algn="l" rtl="0">
+              <a:lnSpc>
+                <a:spcPct val="115000"/>
+              </a:lnSpc>
+              <a:spcBef>
+                <a:spcPts val="1600"/>
+              </a:spcBef>
+              <a:spcAft>
+                <a:spcPts val="0"/>
+              </a:spcAft>
+              <a:buClr>
+                <a:schemeClr val="dk2"/>
+              </a:buClr>
+              <a:buSzPts val="1400"/>
+              <a:buFont typeface="Arial"/>
+              <a:buChar char="●"/>
+              <a:defRPr sz="1400" b="0" i="0" u="none" strike="noStrike" cap="none">
+                <a:solidFill>
+                  <a:schemeClr val="dk2"/>
+                </a:solidFill>
+                <a:latin typeface="Arial"/>
+                <a:ea typeface="Arial"/>
+                <a:cs typeface="Arial"/>
+                <a:sym typeface="Arial"/>
+              </a:defRPr>
+            </a:lvl4pPr>
+            <a:lvl5pPr marL="2286000" marR="0" lvl="4" indent="-317500" algn="l" rtl="0">
+              <a:lnSpc>
+                <a:spcPct val="115000"/>
+              </a:lnSpc>
+              <a:spcBef>
+                <a:spcPts val="1600"/>
+              </a:spcBef>
+              <a:spcAft>
+                <a:spcPts val="0"/>
+              </a:spcAft>
+              <a:buClr>
+                <a:schemeClr val="dk2"/>
+              </a:buClr>
+              <a:buSzPts val="1400"/>
+              <a:buFont typeface="Arial"/>
+              <a:buChar char="○"/>
+              <a:defRPr sz="1400" b="0" i="0" u="none" strike="noStrike" cap="none">
+                <a:solidFill>
+                  <a:schemeClr val="dk2"/>
+                </a:solidFill>
+                <a:latin typeface="Arial"/>
+                <a:ea typeface="Arial"/>
+                <a:cs typeface="Arial"/>
+                <a:sym typeface="Arial"/>
+              </a:defRPr>
+            </a:lvl5pPr>
+            <a:lvl6pPr marL="2743200" marR="0" lvl="5" indent="-317500" algn="l" rtl="0">
+              <a:lnSpc>
+                <a:spcPct val="115000"/>
+              </a:lnSpc>
+              <a:spcBef>
+                <a:spcPts val="1600"/>
+              </a:spcBef>
+              <a:spcAft>
+                <a:spcPts val="0"/>
+              </a:spcAft>
+              <a:buClr>
+                <a:schemeClr val="dk2"/>
+              </a:buClr>
+              <a:buSzPts val="1400"/>
+              <a:buFont typeface="Arial"/>
+              <a:buChar char="■"/>
+              <a:defRPr sz="1400" b="0" i="0" u="none" strike="noStrike" cap="none">
+                <a:solidFill>
+                  <a:schemeClr val="dk2"/>
+                </a:solidFill>
+                <a:latin typeface="Arial"/>
+                <a:ea typeface="Arial"/>
+                <a:cs typeface="Arial"/>
+                <a:sym typeface="Arial"/>
+              </a:defRPr>
+            </a:lvl6pPr>
+            <a:lvl7pPr marL="3200400" marR="0" lvl="6" indent="-317500" algn="l" rtl="0">
+              <a:lnSpc>
+                <a:spcPct val="115000"/>
+              </a:lnSpc>
+              <a:spcBef>
+                <a:spcPts val="1600"/>
+              </a:spcBef>
+              <a:spcAft>
+                <a:spcPts val="0"/>
+              </a:spcAft>
+              <a:buClr>
+                <a:schemeClr val="dk2"/>
+              </a:buClr>
+              <a:buSzPts val="1400"/>
+              <a:buFont typeface="Arial"/>
+              <a:buChar char="●"/>
+              <a:defRPr sz="1400" b="0" i="0" u="none" strike="noStrike" cap="none">
+                <a:solidFill>
+                  <a:schemeClr val="dk2"/>
+                </a:solidFill>
+                <a:latin typeface="Arial"/>
+                <a:ea typeface="Arial"/>
+                <a:cs typeface="Arial"/>
+                <a:sym typeface="Arial"/>
+              </a:defRPr>
+            </a:lvl7pPr>
+            <a:lvl8pPr marL="3657600" marR="0" lvl="7" indent="-317500" algn="l" rtl="0">
+              <a:lnSpc>
+                <a:spcPct val="115000"/>
+              </a:lnSpc>
+              <a:spcBef>
+                <a:spcPts val="1600"/>
+              </a:spcBef>
+              <a:spcAft>
+                <a:spcPts val="0"/>
+              </a:spcAft>
+              <a:buClr>
+                <a:schemeClr val="dk2"/>
+              </a:buClr>
+              <a:buSzPts val="1400"/>
+              <a:buFont typeface="Arial"/>
+              <a:buChar char="○"/>
+              <a:defRPr sz="1400" b="0" i="0" u="none" strike="noStrike" cap="none">
+                <a:solidFill>
+                  <a:schemeClr val="dk2"/>
+                </a:solidFill>
+                <a:latin typeface="Arial"/>
+                <a:ea typeface="Arial"/>
+                <a:cs typeface="Arial"/>
+                <a:sym typeface="Arial"/>
+              </a:defRPr>
+            </a:lvl8pPr>
+            <a:lvl9pPr marL="4114800" marR="0" lvl="8" indent="-317500" algn="l" rtl="0">
+              <a:lnSpc>
+                <a:spcPct val="115000"/>
+              </a:lnSpc>
+              <a:spcBef>
+                <a:spcPts val="1600"/>
+              </a:spcBef>
+              <a:spcAft>
+                <a:spcPts val="1600"/>
+              </a:spcAft>
+              <a:buClr>
+                <a:schemeClr val="dk2"/>
+              </a:buClr>
+              <a:buSzPts val="1400"/>
+              <a:buFont typeface="Arial"/>
+              <a:buChar char="■"/>
+              <a:defRPr sz="1400" b="0" i="0" u="none" strike="noStrike" cap="none">
+                <a:solidFill>
+                  <a:schemeClr val="dk2"/>
+                </a:solidFill>
+                <a:latin typeface="Arial"/>
+                <a:ea typeface="Arial"/>
+                <a:cs typeface="Arial"/>
+                <a:sym typeface="Arial"/>
+              </a:defRPr>
+            </a:lvl9pPr>
+          </a:lstStyle>
+          <a:p>
+            <a:pPr marL="114300" indent="0"/>
+            <a:r>
+              <a:rPr lang="ru-RU" dirty="0" smtClean="0">
+                <a:solidFill>
+                  <a:schemeClr val="tx1"/>
+                </a:solidFill>
+              </a:rPr>
+              <a:t>Позиция точки в пространстве</a:t>
+            </a:r>
+            <a:endParaRPr lang="ru-RU" dirty="0">
+              <a:solidFill>
+                <a:schemeClr val="tx1"/>
+              </a:solidFill>
+            </a:endParaRPr>
           </a:p>
         </p:txBody>
       </p:sp>
     </p:spTree>
+    <p:extLst>
+      <p:ext uri="{BB962C8B-B14F-4D97-AF65-F5344CB8AC3E}">
+        <p14:creationId xmlns:p14="http://schemas.microsoft.com/office/powerpoint/2010/main" val="128741143"/>
+      </p:ext>
+    </p:extLst>
   </p:cSld>
   <p:clrMapOvr>
     <a:masterClrMapping/>
